--- a/Figures/HDQI_figs.pptx
+++ b/Figures/HDQI_figs.pptx
@@ -5,13 +5,14 @@
     <p:sldMasterId id="2147483648" r:id="rId1"/>
   </p:sldMasterIdLst>
   <p:notesMasterIdLst>
-    <p:notesMasterId r:id="rId6"/>
+    <p:notesMasterId r:id="rId7"/>
   </p:notesMasterIdLst>
   <p:sldIdLst>
     <p:sldId id="256" r:id="rId2"/>
-    <p:sldId id="258" r:id="rId3"/>
-    <p:sldId id="257" r:id="rId4"/>
-    <p:sldId id="259" r:id="rId5"/>
+    <p:sldId id="260" r:id="rId3"/>
+    <p:sldId id="258" r:id="rId4"/>
+    <p:sldId id="257" r:id="rId5"/>
+    <p:sldId id="259" r:id="rId6"/>
   </p:sldIdLst>
   <p:sldSz cx="12192000" cy="6858000"/>
   <p:notesSz cx="6858000" cy="9144000"/>
@@ -110,6 +111,11 @@
       </a:defRPr>
     </a:lvl9pPr>
   </p:defaultTextStyle>
+  <p:extLst>
+    <p:ext uri="{EFAFB233-063F-42B5-8137-9DF3F51BA10A}">
+      <p15:sldGuideLst xmlns:p15="http://schemas.microsoft.com/office/powerpoint/2012/main"/>
+    </p:ext>
+  </p:extLst>
 </p:presentation>
 </file>
 
@@ -195,7 +201,7 @@
           <a:p>
             <a:fld id="{06228CD7-B38B-2F49-B51F-0D054AB23F74}" type="datetimeFigureOut">
               <a:rPr lang="en-US" smtClean="0"/>
-              <a:t>9/6/25</a:t>
+              <a:t>9/30/25</a:t>
             </a:fld>
             <a:endParaRPr lang="en-US"/>
           </a:p>
@@ -546,6 +552,90 @@
 </p:notes>
 </file>
 
+<file path=ppt/notesSlides/notesSlide2.xml><?xml version="1.0" encoding="utf-8"?>
+<p:notes xmlns:a="http://schemas.openxmlformats.org/drawingml/2006/main" xmlns:r="http://schemas.openxmlformats.org/officeDocument/2006/relationships" xmlns:p="http://schemas.openxmlformats.org/presentationml/2006/main">
+  <p:cSld>
+    <p:spTree>
+      <p:nvGrpSpPr>
+        <p:cNvPr id="1" name=""/>
+        <p:cNvGrpSpPr/>
+        <p:nvPr/>
+      </p:nvGrpSpPr>
+      <p:grpSpPr>
+        <a:xfrm>
+          <a:off x="0" y="0"/>
+          <a:ext cx="0" cy="0"/>
+          <a:chOff x="0" y="0"/>
+          <a:chExt cx="0" cy="0"/>
+        </a:xfrm>
+      </p:grpSpPr>
+      <p:sp>
+        <p:nvSpPr>
+          <p:cNvPr id="2" name="Slide Image Placeholder 1"/>
+          <p:cNvSpPr>
+            <a:spLocks noGrp="1" noRot="1" noChangeAspect="1"/>
+          </p:cNvSpPr>
+          <p:nvPr>
+            <p:ph type="sldImg"/>
+          </p:nvPr>
+        </p:nvSpPr>
+        <p:spPr/>
+      </p:sp>
+      <p:sp>
+        <p:nvSpPr>
+          <p:cNvPr id="3" name="Notes Placeholder 2"/>
+          <p:cNvSpPr>
+            <a:spLocks noGrp="1"/>
+          </p:cNvSpPr>
+          <p:nvPr>
+            <p:ph type="body" idx="1"/>
+          </p:nvPr>
+        </p:nvSpPr>
+        <p:spPr/>
+        <p:txBody>
+          <a:bodyPr/>
+          <a:lstStyle/>
+          <a:p>
+            <a:endParaRPr lang="en-US" dirty="0"/>
+          </a:p>
+        </p:txBody>
+      </p:sp>
+      <p:sp>
+        <p:nvSpPr>
+          <p:cNvPr id="4" name="Slide Number Placeholder 3"/>
+          <p:cNvSpPr>
+            <a:spLocks noGrp="1"/>
+          </p:cNvSpPr>
+          <p:nvPr>
+            <p:ph type="sldNum" sz="quarter" idx="5"/>
+          </p:nvPr>
+        </p:nvSpPr>
+        <p:spPr/>
+        <p:txBody>
+          <a:bodyPr/>
+          <a:lstStyle/>
+          <a:p>
+            <a:fld id="{53F84D80-056B-E34F-AE4D-D270E9A68B9F}" type="slidenum">
+              <a:rPr lang="en-US" smtClean="0"/>
+              <a:t>2</a:t>
+            </a:fld>
+            <a:endParaRPr lang="en-US"/>
+          </a:p>
+        </p:txBody>
+      </p:sp>
+    </p:spTree>
+    <p:extLst>
+      <p:ext uri="{BB962C8B-B14F-4D97-AF65-F5344CB8AC3E}">
+        <p14:creationId xmlns:p14="http://schemas.microsoft.com/office/powerpoint/2010/main" val="4035102682"/>
+      </p:ext>
+    </p:extLst>
+  </p:cSld>
+  <p:clrMapOvr>
+    <a:masterClrMapping/>
+  </p:clrMapOvr>
+</p:notes>
+</file>
+
 <file path=ppt/slideLayouts/slideLayout1.xml><?xml version="1.0" encoding="utf-8"?>
 <p:sldLayout xmlns:a="http://schemas.openxmlformats.org/drawingml/2006/main" xmlns:r="http://schemas.openxmlformats.org/officeDocument/2006/relationships" xmlns:p="http://schemas.openxmlformats.org/presentationml/2006/main" type="title" preserve="1">
   <p:cSld name="Title Slide">
@@ -693,7 +783,7 @@
           <a:p>
             <a:fld id="{FFBB327C-8B10-0742-937B-8BA467B27BB1}" type="datetimeFigureOut">
               <a:rPr lang="en-US" smtClean="0"/>
-              <a:t>9/5/25</a:t>
+              <a:t>9/30/25</a:t>
             </a:fld>
             <a:endParaRPr lang="en-US"/>
           </a:p>
@@ -891,7 +981,7 @@
           <a:p>
             <a:fld id="{FFBB327C-8B10-0742-937B-8BA467B27BB1}" type="datetimeFigureOut">
               <a:rPr lang="en-US" smtClean="0"/>
-              <a:t>9/5/25</a:t>
+              <a:t>9/30/25</a:t>
             </a:fld>
             <a:endParaRPr lang="en-US"/>
           </a:p>
@@ -1099,7 +1189,7 @@
           <a:p>
             <a:fld id="{FFBB327C-8B10-0742-937B-8BA467B27BB1}" type="datetimeFigureOut">
               <a:rPr lang="en-US" smtClean="0"/>
-              <a:t>9/5/25</a:t>
+              <a:t>9/30/25</a:t>
             </a:fld>
             <a:endParaRPr lang="en-US"/>
           </a:p>
@@ -1297,7 +1387,7 @@
           <a:p>
             <a:fld id="{FFBB327C-8B10-0742-937B-8BA467B27BB1}" type="datetimeFigureOut">
               <a:rPr lang="en-US" smtClean="0"/>
-              <a:t>9/5/25</a:t>
+              <a:t>9/30/25</a:t>
             </a:fld>
             <a:endParaRPr lang="en-US"/>
           </a:p>
@@ -1572,7 +1662,7 @@
           <a:p>
             <a:fld id="{FFBB327C-8B10-0742-937B-8BA467B27BB1}" type="datetimeFigureOut">
               <a:rPr lang="en-US" smtClean="0"/>
-              <a:t>9/5/25</a:t>
+              <a:t>9/30/25</a:t>
             </a:fld>
             <a:endParaRPr lang="en-US"/>
           </a:p>
@@ -1837,7 +1927,7 @@
           <a:p>
             <a:fld id="{FFBB327C-8B10-0742-937B-8BA467B27BB1}" type="datetimeFigureOut">
               <a:rPr lang="en-US" smtClean="0"/>
-              <a:t>9/5/25</a:t>
+              <a:t>9/30/25</a:t>
             </a:fld>
             <a:endParaRPr lang="en-US"/>
           </a:p>
@@ -2249,7 +2339,7 @@
           <a:p>
             <a:fld id="{FFBB327C-8B10-0742-937B-8BA467B27BB1}" type="datetimeFigureOut">
               <a:rPr lang="en-US" smtClean="0"/>
-              <a:t>9/5/25</a:t>
+              <a:t>9/30/25</a:t>
             </a:fld>
             <a:endParaRPr lang="en-US"/>
           </a:p>
@@ -2390,7 +2480,7 @@
           <a:p>
             <a:fld id="{FFBB327C-8B10-0742-937B-8BA467B27BB1}" type="datetimeFigureOut">
               <a:rPr lang="en-US" smtClean="0"/>
-              <a:t>9/5/25</a:t>
+              <a:t>9/30/25</a:t>
             </a:fld>
             <a:endParaRPr lang="en-US"/>
           </a:p>
@@ -2503,7 +2593,7 @@
           <a:p>
             <a:fld id="{FFBB327C-8B10-0742-937B-8BA467B27BB1}" type="datetimeFigureOut">
               <a:rPr lang="en-US" smtClean="0"/>
-              <a:t>9/5/25</a:t>
+              <a:t>9/30/25</a:t>
             </a:fld>
             <a:endParaRPr lang="en-US"/>
           </a:p>
@@ -2814,7 +2904,7 @@
           <a:p>
             <a:fld id="{FFBB327C-8B10-0742-937B-8BA467B27BB1}" type="datetimeFigureOut">
               <a:rPr lang="en-US" smtClean="0"/>
-              <a:t>9/5/25</a:t>
+              <a:t>9/30/25</a:t>
             </a:fld>
             <a:endParaRPr lang="en-US"/>
           </a:p>
@@ -3102,7 +3192,7 @@
           <a:p>
             <a:fld id="{FFBB327C-8B10-0742-937B-8BA467B27BB1}" type="datetimeFigureOut">
               <a:rPr lang="en-US" smtClean="0"/>
-              <a:t>9/5/25</a:t>
+              <a:t>9/30/25</a:t>
             </a:fld>
             <a:endParaRPr lang="en-US"/>
           </a:p>
@@ -3343,7 +3433,7 @@
           <a:p>
             <a:fld id="{FFBB327C-8B10-0742-937B-8BA467B27BB1}" type="datetimeFigureOut">
               <a:rPr lang="en-US" smtClean="0"/>
-              <a:t>9/5/25</a:t>
+              <a:t>9/30/25</a:t>
             </a:fld>
             <a:endParaRPr lang="en-US"/>
           </a:p>
@@ -6465,6 +6555,2926 @@
           <a:chExt cx="0" cy="0"/>
         </a:xfrm>
       </p:grpSpPr>
+      <p:sp>
+        <p:nvSpPr>
+          <p:cNvPr id="187" name="Rounded Rectangle 186">
+            <a:extLst>
+              <a:ext uri="{FF2B5EF4-FFF2-40B4-BE49-F238E27FC236}">
+                <a16:creationId xmlns:a16="http://schemas.microsoft.com/office/drawing/2014/main" id="{38F0CE59-11F0-19CE-A7D9-0F7CC7C538E9}"/>
+              </a:ext>
+            </a:extLst>
+          </p:cNvPr>
+          <p:cNvSpPr/>
+          <p:nvPr/>
+        </p:nvSpPr>
+        <p:spPr>
+          <a:xfrm>
+            <a:off x="432487" y="642551"/>
+            <a:ext cx="11601858" cy="5416785"/>
+          </a:xfrm>
+          <a:prstGeom prst="roundRect">
+            <a:avLst/>
+          </a:prstGeom>
+          <a:gradFill flip="none" rotWithShape="1">
+            <a:gsLst>
+              <a:gs pos="0">
+                <a:schemeClr val="bg1"/>
+              </a:gs>
+              <a:gs pos="93000">
+                <a:schemeClr val="bg1">
+                  <a:lumMod val="85000"/>
+                  <a:alpha val="83897"/>
+                </a:schemeClr>
+              </a:gs>
+            </a:gsLst>
+            <a:lin ang="5400000" scaled="1"/>
+            <a:tileRect/>
+          </a:gradFill>
+          <a:ln>
+            <a:solidFill>
+              <a:schemeClr val="tx1"/>
+            </a:solidFill>
+          </a:ln>
+        </p:spPr>
+        <p:style>
+          <a:lnRef idx="2">
+            <a:schemeClr val="accent1">
+              <a:shade val="15000"/>
+            </a:schemeClr>
+          </a:lnRef>
+          <a:fillRef idx="1">
+            <a:schemeClr val="accent1"/>
+          </a:fillRef>
+          <a:effectRef idx="0">
+            <a:schemeClr val="accent1"/>
+          </a:effectRef>
+          <a:fontRef idx="minor">
+            <a:schemeClr val="lt1"/>
+          </a:fontRef>
+        </p:style>
+        <p:txBody>
+          <a:bodyPr rtlCol="0" anchor="ctr"/>
+          <a:lstStyle/>
+          <a:p>
+            <a:pPr algn="ctr"/>
+            <a:endParaRPr lang="en-US" dirty="0"/>
+          </a:p>
+        </p:txBody>
+      </p:sp>
+      <p:sp>
+        <p:nvSpPr>
+          <p:cNvPr id="5" name="Cube 4">
+            <a:extLst>
+              <a:ext uri="{FF2B5EF4-FFF2-40B4-BE49-F238E27FC236}">
+                <a16:creationId xmlns:a16="http://schemas.microsoft.com/office/drawing/2014/main" id="{E37CE7B7-0D21-40A8-7D6C-6C5487E45FD2}"/>
+              </a:ext>
+            </a:extLst>
+          </p:cNvPr>
+          <p:cNvSpPr/>
+          <p:nvPr/>
+        </p:nvSpPr>
+        <p:spPr>
+          <a:xfrm>
+            <a:off x="7265696" y="1076324"/>
+            <a:ext cx="3330586" cy="2009775"/>
+          </a:xfrm>
+          <a:prstGeom prst="cube">
+            <a:avLst>
+              <a:gd name="adj" fmla="val 4902"/>
+            </a:avLst>
+          </a:prstGeom>
+          <a:solidFill>
+            <a:srgbClr val="F4ECD0">
+              <a:alpha val="94902"/>
+            </a:srgbClr>
+          </a:solidFill>
+        </p:spPr>
+        <p:style>
+          <a:lnRef idx="2">
+            <a:schemeClr val="accent1">
+              <a:shade val="15000"/>
+            </a:schemeClr>
+          </a:lnRef>
+          <a:fillRef idx="1">
+            <a:schemeClr val="accent1"/>
+          </a:fillRef>
+          <a:effectRef idx="0">
+            <a:schemeClr val="accent1"/>
+          </a:effectRef>
+          <a:fontRef idx="minor">
+            <a:schemeClr val="lt1"/>
+          </a:fontRef>
+        </p:style>
+        <p:txBody>
+          <a:bodyPr rtlCol="0" anchor="ctr"/>
+          <a:lstStyle/>
+          <a:p>
+            <a:pPr algn="ctr"/>
+            <a:endParaRPr lang="en-US"/>
+          </a:p>
+        </p:txBody>
+      </p:sp>
+      <p:sp>
+        <p:nvSpPr>
+          <p:cNvPr id="6" name="Rectangle 5">
+            <a:extLst>
+              <a:ext uri="{FF2B5EF4-FFF2-40B4-BE49-F238E27FC236}">
+                <a16:creationId xmlns:a16="http://schemas.microsoft.com/office/drawing/2014/main" id="{1268726E-09AB-1E5D-B2CF-E088086844A1}"/>
+              </a:ext>
+            </a:extLst>
+          </p:cNvPr>
+          <p:cNvSpPr/>
+          <p:nvPr/>
+        </p:nvSpPr>
+        <p:spPr>
+          <a:xfrm>
+            <a:off x="7273741" y="1925914"/>
+            <a:ext cx="410500" cy="1154261"/>
+          </a:xfrm>
+          <a:prstGeom prst="rect">
+            <a:avLst/>
+          </a:prstGeom>
+          <a:solidFill>
+            <a:srgbClr val="FF0000">
+              <a:alpha val="69804"/>
+            </a:srgbClr>
+          </a:solidFill>
+          <a:ln>
+            <a:noFill/>
+          </a:ln>
+        </p:spPr>
+        <p:style>
+          <a:lnRef idx="2">
+            <a:schemeClr val="accent1">
+              <a:shade val="15000"/>
+            </a:schemeClr>
+          </a:lnRef>
+          <a:fillRef idx="1">
+            <a:schemeClr val="accent1"/>
+          </a:fillRef>
+          <a:effectRef idx="0">
+            <a:schemeClr val="accent1"/>
+          </a:effectRef>
+          <a:fontRef idx="minor">
+            <a:schemeClr val="lt1"/>
+          </a:fontRef>
+        </p:style>
+        <p:txBody>
+          <a:bodyPr rtlCol="0" anchor="ctr"/>
+          <a:lstStyle/>
+          <a:p>
+            <a:pPr algn="ctr"/>
+            <a:endParaRPr lang="en-US"/>
+          </a:p>
+        </p:txBody>
+      </p:sp>
+      <p:sp>
+        <p:nvSpPr>
+          <p:cNvPr id="7" name="Rectangle 6">
+            <a:extLst>
+              <a:ext uri="{FF2B5EF4-FFF2-40B4-BE49-F238E27FC236}">
+                <a16:creationId xmlns:a16="http://schemas.microsoft.com/office/drawing/2014/main" id="{D82FD93C-5279-FDC3-FC44-C4E377963DB5}"/>
+              </a:ext>
+            </a:extLst>
+          </p:cNvPr>
+          <p:cNvSpPr/>
+          <p:nvPr/>
+        </p:nvSpPr>
+        <p:spPr>
+          <a:xfrm>
+            <a:off x="7677885" y="1610212"/>
+            <a:ext cx="404145" cy="1469963"/>
+          </a:xfrm>
+          <a:prstGeom prst="rect">
+            <a:avLst/>
+          </a:prstGeom>
+          <a:solidFill>
+            <a:srgbClr val="FFC000">
+              <a:alpha val="69804"/>
+            </a:srgbClr>
+          </a:solidFill>
+          <a:ln>
+            <a:noFill/>
+          </a:ln>
+        </p:spPr>
+        <p:style>
+          <a:lnRef idx="2">
+            <a:schemeClr val="accent1">
+              <a:shade val="15000"/>
+            </a:schemeClr>
+          </a:lnRef>
+          <a:fillRef idx="1">
+            <a:schemeClr val="accent1"/>
+          </a:fillRef>
+          <a:effectRef idx="0">
+            <a:schemeClr val="accent1"/>
+          </a:effectRef>
+          <a:fontRef idx="minor">
+            <a:schemeClr val="lt1"/>
+          </a:fontRef>
+        </p:style>
+        <p:txBody>
+          <a:bodyPr rtlCol="0" anchor="ctr"/>
+          <a:lstStyle/>
+          <a:p>
+            <a:pPr algn="ctr"/>
+            <a:endParaRPr lang="en-US"/>
+          </a:p>
+        </p:txBody>
+      </p:sp>
+      <p:sp>
+        <p:nvSpPr>
+          <p:cNvPr id="8" name="Rectangle 7">
+            <a:extLst>
+              <a:ext uri="{FF2B5EF4-FFF2-40B4-BE49-F238E27FC236}">
+                <a16:creationId xmlns:a16="http://schemas.microsoft.com/office/drawing/2014/main" id="{F3108A96-CB64-DDC3-510F-DD5FA72704AC}"/>
+              </a:ext>
+            </a:extLst>
+          </p:cNvPr>
+          <p:cNvSpPr/>
+          <p:nvPr/>
+        </p:nvSpPr>
+        <p:spPr>
+          <a:xfrm>
+            <a:off x="8075675" y="1538689"/>
+            <a:ext cx="404145" cy="1541486"/>
+          </a:xfrm>
+          <a:prstGeom prst="rect">
+            <a:avLst/>
+          </a:prstGeom>
+          <a:solidFill>
+            <a:srgbClr val="FFFF00">
+              <a:alpha val="69804"/>
+            </a:srgbClr>
+          </a:solidFill>
+          <a:ln>
+            <a:noFill/>
+          </a:ln>
+        </p:spPr>
+        <p:style>
+          <a:lnRef idx="2">
+            <a:schemeClr val="accent1">
+              <a:shade val="15000"/>
+            </a:schemeClr>
+          </a:lnRef>
+          <a:fillRef idx="1">
+            <a:schemeClr val="accent1"/>
+          </a:fillRef>
+          <a:effectRef idx="0">
+            <a:schemeClr val="accent1"/>
+          </a:effectRef>
+          <a:fontRef idx="minor">
+            <a:schemeClr val="lt1"/>
+          </a:fontRef>
+        </p:style>
+        <p:txBody>
+          <a:bodyPr rtlCol="0" anchor="ctr"/>
+          <a:lstStyle/>
+          <a:p>
+            <a:pPr algn="ctr"/>
+            <a:endParaRPr lang="en-US"/>
+          </a:p>
+        </p:txBody>
+      </p:sp>
+      <p:sp>
+        <p:nvSpPr>
+          <p:cNvPr id="9" name="Rectangle 8">
+            <a:extLst>
+              <a:ext uri="{FF2B5EF4-FFF2-40B4-BE49-F238E27FC236}">
+                <a16:creationId xmlns:a16="http://schemas.microsoft.com/office/drawing/2014/main" id="{5AC61C0A-282A-8394-D757-BAB5F1A8CF59}"/>
+              </a:ext>
+            </a:extLst>
+          </p:cNvPr>
+          <p:cNvSpPr/>
+          <p:nvPr/>
+        </p:nvSpPr>
+        <p:spPr>
+          <a:xfrm>
+            <a:off x="8479820" y="1736849"/>
+            <a:ext cx="404145" cy="1343326"/>
+          </a:xfrm>
+          <a:prstGeom prst="rect">
+            <a:avLst/>
+          </a:prstGeom>
+          <a:solidFill>
+            <a:srgbClr val="92D050">
+              <a:alpha val="69804"/>
+            </a:srgbClr>
+          </a:solidFill>
+          <a:ln>
+            <a:noFill/>
+          </a:ln>
+        </p:spPr>
+        <p:style>
+          <a:lnRef idx="2">
+            <a:schemeClr val="accent1">
+              <a:shade val="15000"/>
+            </a:schemeClr>
+          </a:lnRef>
+          <a:fillRef idx="1">
+            <a:schemeClr val="accent1"/>
+          </a:fillRef>
+          <a:effectRef idx="0">
+            <a:schemeClr val="accent1"/>
+          </a:effectRef>
+          <a:fontRef idx="minor">
+            <a:schemeClr val="lt1"/>
+          </a:fontRef>
+        </p:style>
+        <p:txBody>
+          <a:bodyPr rtlCol="0" anchor="ctr"/>
+          <a:lstStyle/>
+          <a:p>
+            <a:pPr algn="ctr"/>
+            <a:endParaRPr lang="en-US"/>
+          </a:p>
+        </p:txBody>
+      </p:sp>
+      <p:sp>
+        <p:nvSpPr>
+          <p:cNvPr id="10" name="Rectangle 9">
+            <a:extLst>
+              <a:ext uri="{FF2B5EF4-FFF2-40B4-BE49-F238E27FC236}">
+                <a16:creationId xmlns:a16="http://schemas.microsoft.com/office/drawing/2014/main" id="{D843D523-80BD-6E8B-0B60-0B873114AF57}"/>
+              </a:ext>
+            </a:extLst>
+          </p:cNvPr>
+          <p:cNvSpPr/>
+          <p:nvPr/>
+        </p:nvSpPr>
+        <p:spPr>
+          <a:xfrm>
+            <a:off x="8877610" y="2038245"/>
+            <a:ext cx="404145" cy="1041930"/>
+          </a:xfrm>
+          <a:prstGeom prst="rect">
+            <a:avLst/>
+          </a:prstGeom>
+          <a:solidFill>
+            <a:srgbClr val="00B050">
+              <a:alpha val="69804"/>
+            </a:srgbClr>
+          </a:solidFill>
+          <a:ln>
+            <a:noFill/>
+          </a:ln>
+        </p:spPr>
+        <p:style>
+          <a:lnRef idx="2">
+            <a:schemeClr val="accent1">
+              <a:shade val="15000"/>
+            </a:schemeClr>
+          </a:lnRef>
+          <a:fillRef idx="1">
+            <a:schemeClr val="accent1"/>
+          </a:fillRef>
+          <a:effectRef idx="0">
+            <a:schemeClr val="accent1"/>
+          </a:effectRef>
+          <a:fontRef idx="minor">
+            <a:schemeClr val="lt1"/>
+          </a:fontRef>
+        </p:style>
+        <p:txBody>
+          <a:bodyPr rtlCol="0" anchor="ctr"/>
+          <a:lstStyle/>
+          <a:p>
+            <a:pPr algn="ctr"/>
+            <a:endParaRPr lang="en-US"/>
+          </a:p>
+        </p:txBody>
+      </p:sp>
+      <p:sp>
+        <p:nvSpPr>
+          <p:cNvPr id="11" name="Rectangle 10">
+            <a:extLst>
+              <a:ext uri="{FF2B5EF4-FFF2-40B4-BE49-F238E27FC236}">
+                <a16:creationId xmlns:a16="http://schemas.microsoft.com/office/drawing/2014/main" id="{A7671111-8B96-705D-D2AD-688E123B202B}"/>
+              </a:ext>
+            </a:extLst>
+          </p:cNvPr>
+          <p:cNvSpPr/>
+          <p:nvPr/>
+        </p:nvSpPr>
+        <p:spPr>
+          <a:xfrm>
+            <a:off x="9679545" y="2196603"/>
+            <a:ext cx="404145" cy="883572"/>
+          </a:xfrm>
+          <a:prstGeom prst="rect">
+            <a:avLst/>
+          </a:prstGeom>
+          <a:solidFill>
+            <a:srgbClr val="0070C0">
+              <a:alpha val="69804"/>
+            </a:srgbClr>
+          </a:solidFill>
+          <a:ln>
+            <a:noFill/>
+          </a:ln>
+        </p:spPr>
+        <p:style>
+          <a:lnRef idx="2">
+            <a:schemeClr val="accent1">
+              <a:shade val="15000"/>
+            </a:schemeClr>
+          </a:lnRef>
+          <a:fillRef idx="1">
+            <a:schemeClr val="accent1"/>
+          </a:fillRef>
+          <a:effectRef idx="0">
+            <a:schemeClr val="accent1"/>
+          </a:effectRef>
+          <a:fontRef idx="minor">
+            <a:schemeClr val="lt1"/>
+          </a:fontRef>
+        </p:style>
+        <p:txBody>
+          <a:bodyPr rtlCol="0" anchor="ctr"/>
+          <a:lstStyle/>
+          <a:p>
+            <a:pPr algn="ctr"/>
+            <a:endParaRPr lang="en-US" dirty="0"/>
+          </a:p>
+        </p:txBody>
+      </p:sp>
+      <p:sp>
+        <p:nvSpPr>
+          <p:cNvPr id="12" name="Rectangle 11">
+            <a:extLst>
+              <a:ext uri="{FF2B5EF4-FFF2-40B4-BE49-F238E27FC236}">
+                <a16:creationId xmlns:a16="http://schemas.microsoft.com/office/drawing/2014/main" id="{9BDF9F04-775A-765B-47F7-03E7B2C36962}"/>
+              </a:ext>
+            </a:extLst>
+          </p:cNvPr>
+          <p:cNvSpPr/>
+          <p:nvPr/>
+        </p:nvSpPr>
+        <p:spPr>
+          <a:xfrm>
+            <a:off x="9281755" y="2245351"/>
+            <a:ext cx="404145" cy="834823"/>
+          </a:xfrm>
+          <a:prstGeom prst="rect">
+            <a:avLst/>
+          </a:prstGeom>
+          <a:solidFill>
+            <a:srgbClr val="00B0F0">
+              <a:alpha val="69804"/>
+            </a:srgbClr>
+          </a:solidFill>
+          <a:ln>
+            <a:noFill/>
+          </a:ln>
+        </p:spPr>
+        <p:style>
+          <a:lnRef idx="2">
+            <a:schemeClr val="accent1">
+              <a:shade val="15000"/>
+            </a:schemeClr>
+          </a:lnRef>
+          <a:fillRef idx="1">
+            <a:schemeClr val="accent1"/>
+          </a:fillRef>
+          <a:effectRef idx="0">
+            <a:schemeClr val="accent1"/>
+          </a:effectRef>
+          <a:fontRef idx="minor">
+            <a:schemeClr val="lt1"/>
+          </a:fontRef>
+        </p:style>
+        <p:txBody>
+          <a:bodyPr rtlCol="0" anchor="ctr"/>
+          <a:lstStyle/>
+          <a:p>
+            <a:pPr algn="ctr"/>
+            <a:endParaRPr lang="en-US"/>
+          </a:p>
+        </p:txBody>
+      </p:sp>
+      <p:sp>
+        <p:nvSpPr>
+          <p:cNvPr id="13" name="Rectangle 12">
+            <a:extLst>
+              <a:ext uri="{FF2B5EF4-FFF2-40B4-BE49-F238E27FC236}">
+                <a16:creationId xmlns:a16="http://schemas.microsoft.com/office/drawing/2014/main" id="{D733C049-B0A1-8F47-FF62-12D44DE11915}"/>
+              </a:ext>
+            </a:extLst>
+          </p:cNvPr>
+          <p:cNvSpPr/>
+          <p:nvPr/>
+        </p:nvSpPr>
+        <p:spPr>
+          <a:xfrm>
+            <a:off x="10083690" y="1987160"/>
+            <a:ext cx="410495" cy="1093016"/>
+          </a:xfrm>
+          <a:prstGeom prst="rect">
+            <a:avLst/>
+          </a:prstGeom>
+          <a:solidFill>
+            <a:srgbClr val="7030A0">
+              <a:alpha val="69804"/>
+            </a:srgbClr>
+          </a:solidFill>
+          <a:ln>
+            <a:noFill/>
+          </a:ln>
+        </p:spPr>
+        <p:style>
+          <a:lnRef idx="2">
+            <a:schemeClr val="accent1">
+              <a:shade val="15000"/>
+            </a:schemeClr>
+          </a:lnRef>
+          <a:fillRef idx="1">
+            <a:schemeClr val="accent1"/>
+          </a:fillRef>
+          <a:effectRef idx="0">
+            <a:schemeClr val="accent1"/>
+          </a:effectRef>
+          <a:fontRef idx="minor">
+            <a:schemeClr val="lt1"/>
+          </a:fontRef>
+        </p:style>
+        <p:txBody>
+          <a:bodyPr rtlCol="0" anchor="ctr"/>
+          <a:lstStyle/>
+          <a:p>
+            <a:pPr algn="ctr"/>
+            <a:endParaRPr lang="en-US" dirty="0"/>
+          </a:p>
+        </p:txBody>
+      </p:sp>
+      <p:cxnSp>
+        <p:nvCxnSpPr>
+          <p:cNvPr id="14" name="Straight Connector 13">
+            <a:extLst>
+              <a:ext uri="{FF2B5EF4-FFF2-40B4-BE49-F238E27FC236}">
+                <a16:creationId xmlns:a16="http://schemas.microsoft.com/office/drawing/2014/main" id="{F296A6CB-6B35-DB5E-2709-E13B9830D33E}"/>
+              </a:ext>
+            </a:extLst>
+          </p:cNvPr>
+          <p:cNvCxnSpPr>
+            <a:cxnSpLocks/>
+            <a:stCxn id="7" idx="0"/>
+          </p:cNvCxnSpPr>
+          <p:nvPr/>
+        </p:nvCxnSpPr>
+        <p:spPr>
+          <a:xfrm flipH="1">
+            <a:off x="6096000" y="1610212"/>
+            <a:ext cx="1783958" cy="2175290"/>
+          </a:xfrm>
+          <a:prstGeom prst="line">
+            <a:avLst/>
+          </a:prstGeom>
+          <a:ln w="28575">
+            <a:solidFill>
+              <a:srgbClr val="FFC000"/>
+            </a:solidFill>
+          </a:ln>
+        </p:spPr>
+        <p:style>
+          <a:lnRef idx="2">
+            <a:schemeClr val="accent1"/>
+          </a:lnRef>
+          <a:fillRef idx="0">
+            <a:schemeClr val="accent1"/>
+          </a:fillRef>
+          <a:effectRef idx="1">
+            <a:schemeClr val="accent1"/>
+          </a:effectRef>
+          <a:fontRef idx="minor">
+            <a:schemeClr val="tx1"/>
+          </a:fontRef>
+        </p:style>
+      </p:cxnSp>
+      <p:cxnSp>
+        <p:nvCxnSpPr>
+          <p:cNvPr id="15" name="Straight Connector 14">
+            <a:extLst>
+              <a:ext uri="{FF2B5EF4-FFF2-40B4-BE49-F238E27FC236}">
+                <a16:creationId xmlns:a16="http://schemas.microsoft.com/office/drawing/2014/main" id="{E995B043-FA92-1B47-D6F5-1187BBAEC8AD}"/>
+              </a:ext>
+            </a:extLst>
+          </p:cNvPr>
+          <p:cNvCxnSpPr>
+            <a:cxnSpLocks/>
+          </p:cNvCxnSpPr>
+          <p:nvPr/>
+        </p:nvCxnSpPr>
+        <p:spPr>
+          <a:xfrm flipH="1">
+            <a:off x="5977081" y="1917532"/>
+            <a:ext cx="1505375" cy="1784187"/>
+          </a:xfrm>
+          <a:prstGeom prst="line">
+            <a:avLst/>
+          </a:prstGeom>
+          <a:ln w="28575">
+            <a:solidFill>
+              <a:srgbClr val="FF0000"/>
+            </a:solidFill>
+          </a:ln>
+        </p:spPr>
+        <p:style>
+          <a:lnRef idx="2">
+            <a:schemeClr val="accent1"/>
+          </a:lnRef>
+          <a:fillRef idx="0">
+            <a:schemeClr val="accent1"/>
+          </a:fillRef>
+          <a:effectRef idx="1">
+            <a:schemeClr val="accent1"/>
+          </a:effectRef>
+          <a:fontRef idx="minor">
+            <a:schemeClr val="tx1"/>
+          </a:fontRef>
+        </p:style>
+      </p:cxnSp>
+      <p:cxnSp>
+        <p:nvCxnSpPr>
+          <p:cNvPr id="16" name="Straight Connector 15">
+            <a:extLst>
+              <a:ext uri="{FF2B5EF4-FFF2-40B4-BE49-F238E27FC236}">
+                <a16:creationId xmlns:a16="http://schemas.microsoft.com/office/drawing/2014/main" id="{A3C090FF-A924-8F9F-94F0-BA0AAEEA5631}"/>
+              </a:ext>
+            </a:extLst>
+          </p:cNvPr>
+          <p:cNvCxnSpPr>
+            <a:cxnSpLocks/>
+            <a:stCxn id="8" idx="0"/>
+          </p:cNvCxnSpPr>
+          <p:nvPr/>
+        </p:nvCxnSpPr>
+        <p:spPr>
+          <a:xfrm flipH="1">
+            <a:off x="6172966" y="1538689"/>
+            <a:ext cx="2104782" cy="2305706"/>
+          </a:xfrm>
+          <a:prstGeom prst="line">
+            <a:avLst/>
+          </a:prstGeom>
+          <a:ln w="28575">
+            <a:solidFill>
+              <a:srgbClr val="FFFF00"/>
+            </a:solidFill>
+          </a:ln>
+        </p:spPr>
+        <p:style>
+          <a:lnRef idx="2">
+            <a:schemeClr val="accent1"/>
+          </a:lnRef>
+          <a:fillRef idx="0">
+            <a:schemeClr val="accent1"/>
+          </a:fillRef>
+          <a:effectRef idx="1">
+            <a:schemeClr val="accent1"/>
+          </a:effectRef>
+          <a:fontRef idx="minor">
+            <a:schemeClr val="tx1"/>
+          </a:fontRef>
+        </p:style>
+      </p:cxnSp>
+      <p:cxnSp>
+        <p:nvCxnSpPr>
+          <p:cNvPr id="17" name="Straight Connector 16">
+            <a:extLst>
+              <a:ext uri="{FF2B5EF4-FFF2-40B4-BE49-F238E27FC236}">
+                <a16:creationId xmlns:a16="http://schemas.microsoft.com/office/drawing/2014/main" id="{EB273908-07F1-47DB-DAC2-8AEE1EEAEA71}"/>
+              </a:ext>
+            </a:extLst>
+          </p:cNvPr>
+          <p:cNvCxnSpPr>
+            <a:cxnSpLocks/>
+            <a:stCxn id="9" idx="0"/>
+          </p:cNvCxnSpPr>
+          <p:nvPr/>
+        </p:nvCxnSpPr>
+        <p:spPr>
+          <a:xfrm flipH="1">
+            <a:off x="6271796" y="1736849"/>
+            <a:ext cx="2410097" cy="2232165"/>
+          </a:xfrm>
+          <a:prstGeom prst="line">
+            <a:avLst/>
+          </a:prstGeom>
+          <a:ln w="28575">
+            <a:solidFill>
+              <a:srgbClr val="92D050"/>
+            </a:solidFill>
+          </a:ln>
+        </p:spPr>
+        <p:style>
+          <a:lnRef idx="2">
+            <a:schemeClr val="accent1"/>
+          </a:lnRef>
+          <a:fillRef idx="0">
+            <a:schemeClr val="accent1"/>
+          </a:fillRef>
+          <a:effectRef idx="1">
+            <a:schemeClr val="accent1"/>
+          </a:effectRef>
+          <a:fontRef idx="minor">
+            <a:schemeClr val="tx1"/>
+          </a:fontRef>
+        </p:style>
+      </p:cxnSp>
+      <p:cxnSp>
+        <p:nvCxnSpPr>
+          <p:cNvPr id="18" name="Straight Connector 17">
+            <a:extLst>
+              <a:ext uri="{FF2B5EF4-FFF2-40B4-BE49-F238E27FC236}">
+                <a16:creationId xmlns:a16="http://schemas.microsoft.com/office/drawing/2014/main" id="{0C516EF3-8AA6-18F3-8469-E3131DF7511E}"/>
+              </a:ext>
+            </a:extLst>
+          </p:cNvPr>
+          <p:cNvCxnSpPr>
+            <a:cxnSpLocks/>
+          </p:cNvCxnSpPr>
+          <p:nvPr/>
+        </p:nvCxnSpPr>
+        <p:spPr>
+          <a:xfrm flipH="1">
+            <a:off x="6361173" y="2038245"/>
+            <a:ext cx="2718509" cy="2015515"/>
+          </a:xfrm>
+          <a:prstGeom prst="line">
+            <a:avLst/>
+          </a:prstGeom>
+          <a:ln w="28575">
+            <a:solidFill>
+              <a:srgbClr val="00B050"/>
+            </a:solidFill>
+          </a:ln>
+        </p:spPr>
+        <p:style>
+          <a:lnRef idx="2">
+            <a:schemeClr val="accent1"/>
+          </a:lnRef>
+          <a:fillRef idx="0">
+            <a:schemeClr val="accent1"/>
+          </a:fillRef>
+          <a:effectRef idx="1">
+            <a:schemeClr val="accent1"/>
+          </a:effectRef>
+          <a:fontRef idx="minor">
+            <a:schemeClr val="tx1"/>
+          </a:fontRef>
+        </p:style>
+      </p:cxnSp>
+      <p:cxnSp>
+        <p:nvCxnSpPr>
+          <p:cNvPr id="19" name="Straight Connector 18">
+            <a:extLst>
+              <a:ext uri="{FF2B5EF4-FFF2-40B4-BE49-F238E27FC236}">
+                <a16:creationId xmlns:a16="http://schemas.microsoft.com/office/drawing/2014/main" id="{51CB52E0-F56A-6427-E019-F253453791D9}"/>
+              </a:ext>
+            </a:extLst>
+          </p:cNvPr>
+          <p:cNvCxnSpPr>
+            <a:cxnSpLocks/>
+            <a:stCxn id="12" idx="0"/>
+          </p:cNvCxnSpPr>
+          <p:nvPr/>
+        </p:nvCxnSpPr>
+        <p:spPr>
+          <a:xfrm flipH="1">
+            <a:off x="6451837" y="2245351"/>
+            <a:ext cx="3031991" cy="1929122"/>
+          </a:xfrm>
+          <a:prstGeom prst="line">
+            <a:avLst/>
+          </a:prstGeom>
+          <a:ln w="28575">
+            <a:solidFill>
+              <a:srgbClr val="00B0F0"/>
+            </a:solidFill>
+          </a:ln>
+        </p:spPr>
+        <p:style>
+          <a:lnRef idx="2">
+            <a:schemeClr val="accent1"/>
+          </a:lnRef>
+          <a:fillRef idx="0">
+            <a:schemeClr val="accent1"/>
+          </a:fillRef>
+          <a:effectRef idx="1">
+            <a:schemeClr val="accent1"/>
+          </a:effectRef>
+          <a:fontRef idx="minor">
+            <a:schemeClr val="tx1"/>
+          </a:fontRef>
+        </p:style>
+      </p:cxnSp>
+      <p:cxnSp>
+        <p:nvCxnSpPr>
+          <p:cNvPr id="20" name="Straight Connector 19">
+            <a:extLst>
+              <a:ext uri="{FF2B5EF4-FFF2-40B4-BE49-F238E27FC236}">
+                <a16:creationId xmlns:a16="http://schemas.microsoft.com/office/drawing/2014/main" id="{A6A611A5-B264-3A23-B56A-410957B49FAE}"/>
+              </a:ext>
+            </a:extLst>
+          </p:cNvPr>
+          <p:cNvCxnSpPr>
+            <a:cxnSpLocks/>
+            <a:stCxn id="11" idx="0"/>
+          </p:cNvCxnSpPr>
+          <p:nvPr/>
+        </p:nvCxnSpPr>
+        <p:spPr>
+          <a:xfrm flipH="1">
+            <a:off x="6570756" y="2196603"/>
+            <a:ext cx="3310862" cy="2079376"/>
+          </a:xfrm>
+          <a:prstGeom prst="line">
+            <a:avLst/>
+          </a:prstGeom>
+          <a:ln w="28575">
+            <a:solidFill>
+              <a:srgbClr val="0070C0"/>
+            </a:solidFill>
+          </a:ln>
+        </p:spPr>
+        <p:style>
+          <a:lnRef idx="2">
+            <a:schemeClr val="accent1"/>
+          </a:lnRef>
+          <a:fillRef idx="0">
+            <a:schemeClr val="accent1"/>
+          </a:fillRef>
+          <a:effectRef idx="1">
+            <a:schemeClr val="accent1"/>
+          </a:effectRef>
+          <a:fontRef idx="minor">
+            <a:schemeClr val="tx1"/>
+          </a:fontRef>
+        </p:style>
+      </p:cxnSp>
+      <p:cxnSp>
+        <p:nvCxnSpPr>
+          <p:cNvPr id="21" name="Straight Connector 20">
+            <a:extLst>
+              <a:ext uri="{FF2B5EF4-FFF2-40B4-BE49-F238E27FC236}">
+                <a16:creationId xmlns:a16="http://schemas.microsoft.com/office/drawing/2014/main" id="{AFFBAA1F-3FD9-DEF4-32C3-317231824ACF}"/>
+              </a:ext>
+            </a:extLst>
+          </p:cNvPr>
+          <p:cNvCxnSpPr>
+            <a:cxnSpLocks/>
+          </p:cNvCxnSpPr>
+          <p:nvPr/>
+        </p:nvCxnSpPr>
+        <p:spPr>
+          <a:xfrm flipH="1">
+            <a:off x="6566420" y="1987160"/>
+            <a:ext cx="3722518" cy="2475884"/>
+          </a:xfrm>
+          <a:prstGeom prst="line">
+            <a:avLst/>
+          </a:prstGeom>
+          <a:ln w="28575">
+            <a:solidFill>
+              <a:srgbClr val="7030A0"/>
+            </a:solidFill>
+          </a:ln>
+        </p:spPr>
+        <p:style>
+          <a:lnRef idx="2">
+            <a:schemeClr val="accent1"/>
+          </a:lnRef>
+          <a:fillRef idx="0">
+            <a:schemeClr val="accent1"/>
+          </a:fillRef>
+          <a:effectRef idx="1">
+            <a:schemeClr val="accent1"/>
+          </a:effectRef>
+          <a:fontRef idx="minor">
+            <a:schemeClr val="tx1"/>
+          </a:fontRef>
+        </p:style>
+      </p:cxnSp>
+      <p:cxnSp>
+        <p:nvCxnSpPr>
+          <p:cNvPr id="46" name="Straight Connector 45">
+            <a:extLst>
+              <a:ext uri="{FF2B5EF4-FFF2-40B4-BE49-F238E27FC236}">
+                <a16:creationId xmlns:a16="http://schemas.microsoft.com/office/drawing/2014/main" id="{73A51B35-A3E3-859B-D70D-F3362CD6BCF0}"/>
+              </a:ext>
+            </a:extLst>
+          </p:cNvPr>
+          <p:cNvCxnSpPr>
+            <a:cxnSpLocks/>
+          </p:cNvCxnSpPr>
+          <p:nvPr/>
+        </p:nvCxnSpPr>
+        <p:spPr>
+          <a:xfrm flipV="1">
+            <a:off x="2456810" y="4750540"/>
+            <a:ext cx="2726017" cy="483685"/>
+          </a:xfrm>
+          <a:prstGeom prst="line">
+            <a:avLst/>
+          </a:prstGeom>
+          <a:ln w="28575">
+            <a:solidFill>
+              <a:schemeClr val="tx1"/>
+            </a:solidFill>
+          </a:ln>
+        </p:spPr>
+        <p:style>
+          <a:lnRef idx="2">
+            <a:schemeClr val="accent1"/>
+          </a:lnRef>
+          <a:fillRef idx="0">
+            <a:schemeClr val="accent1"/>
+          </a:fillRef>
+          <a:effectRef idx="1">
+            <a:schemeClr val="accent1"/>
+          </a:effectRef>
+          <a:fontRef idx="minor">
+            <a:schemeClr val="tx1"/>
+          </a:fontRef>
+        </p:style>
+      </p:cxnSp>
+      <p:cxnSp>
+        <p:nvCxnSpPr>
+          <p:cNvPr id="47" name="Straight Connector 46">
+            <a:extLst>
+              <a:ext uri="{FF2B5EF4-FFF2-40B4-BE49-F238E27FC236}">
+                <a16:creationId xmlns:a16="http://schemas.microsoft.com/office/drawing/2014/main" id="{71E573D9-4746-9649-373E-D1892653F464}"/>
+              </a:ext>
+            </a:extLst>
+          </p:cNvPr>
+          <p:cNvCxnSpPr>
+            <a:cxnSpLocks/>
+          </p:cNvCxnSpPr>
+          <p:nvPr/>
+        </p:nvCxnSpPr>
+        <p:spPr>
+          <a:xfrm flipV="1">
+            <a:off x="2424877" y="4683865"/>
+            <a:ext cx="2757950" cy="485143"/>
+          </a:xfrm>
+          <a:prstGeom prst="line">
+            <a:avLst/>
+          </a:prstGeom>
+          <a:ln w="28575">
+            <a:solidFill>
+              <a:schemeClr val="tx1"/>
+            </a:solidFill>
+          </a:ln>
+        </p:spPr>
+        <p:style>
+          <a:lnRef idx="2">
+            <a:schemeClr val="accent1"/>
+          </a:lnRef>
+          <a:fillRef idx="0">
+            <a:schemeClr val="accent1"/>
+          </a:fillRef>
+          <a:effectRef idx="1">
+            <a:schemeClr val="accent1"/>
+          </a:effectRef>
+          <a:fontRef idx="minor">
+            <a:schemeClr val="tx1"/>
+          </a:fontRef>
+        </p:style>
+      </p:cxnSp>
+      <p:cxnSp>
+        <p:nvCxnSpPr>
+          <p:cNvPr id="48" name="Straight Connector 47">
+            <a:extLst>
+              <a:ext uri="{FF2B5EF4-FFF2-40B4-BE49-F238E27FC236}">
+                <a16:creationId xmlns:a16="http://schemas.microsoft.com/office/drawing/2014/main" id="{7D71A71F-B3C6-BA86-8398-B76E3067C9E3}"/>
+              </a:ext>
+            </a:extLst>
+          </p:cNvPr>
+          <p:cNvCxnSpPr>
+            <a:cxnSpLocks/>
+          </p:cNvCxnSpPr>
+          <p:nvPr/>
+        </p:nvCxnSpPr>
+        <p:spPr>
+          <a:xfrm flipV="1">
+            <a:off x="2413259" y="4617190"/>
+            <a:ext cx="2769568" cy="488752"/>
+          </a:xfrm>
+          <a:prstGeom prst="line">
+            <a:avLst/>
+          </a:prstGeom>
+          <a:ln w="28575">
+            <a:solidFill>
+              <a:schemeClr val="tx1"/>
+            </a:solidFill>
+          </a:ln>
+        </p:spPr>
+        <p:style>
+          <a:lnRef idx="2">
+            <a:schemeClr val="accent1"/>
+          </a:lnRef>
+          <a:fillRef idx="0">
+            <a:schemeClr val="accent1"/>
+          </a:fillRef>
+          <a:effectRef idx="1">
+            <a:schemeClr val="accent1"/>
+          </a:effectRef>
+          <a:fontRef idx="minor">
+            <a:schemeClr val="tx1"/>
+          </a:fontRef>
+        </p:style>
+      </p:cxnSp>
+      <p:cxnSp>
+        <p:nvCxnSpPr>
+          <p:cNvPr id="49" name="Straight Connector 48">
+            <a:extLst>
+              <a:ext uri="{FF2B5EF4-FFF2-40B4-BE49-F238E27FC236}">
+                <a16:creationId xmlns:a16="http://schemas.microsoft.com/office/drawing/2014/main" id="{F2F13387-2F1E-80B8-A5F3-C709C719951C}"/>
+              </a:ext>
+            </a:extLst>
+          </p:cNvPr>
+          <p:cNvCxnSpPr>
+            <a:cxnSpLocks/>
+          </p:cNvCxnSpPr>
+          <p:nvPr/>
+        </p:nvCxnSpPr>
+        <p:spPr>
+          <a:xfrm flipV="1">
+            <a:off x="2410471" y="4557118"/>
+            <a:ext cx="2772356" cy="474124"/>
+          </a:xfrm>
+          <a:prstGeom prst="line">
+            <a:avLst/>
+          </a:prstGeom>
+          <a:ln w="28575">
+            <a:solidFill>
+              <a:schemeClr val="tx1"/>
+            </a:solidFill>
+          </a:ln>
+        </p:spPr>
+        <p:style>
+          <a:lnRef idx="2">
+            <a:schemeClr val="accent1"/>
+          </a:lnRef>
+          <a:fillRef idx="0">
+            <a:schemeClr val="accent1"/>
+          </a:fillRef>
+          <a:effectRef idx="1">
+            <a:schemeClr val="accent1"/>
+          </a:effectRef>
+          <a:fontRef idx="minor">
+            <a:schemeClr val="tx1"/>
+          </a:fontRef>
+        </p:style>
+      </p:cxnSp>
+      <p:cxnSp>
+        <p:nvCxnSpPr>
+          <p:cNvPr id="50" name="Straight Connector 49">
+            <a:extLst>
+              <a:ext uri="{FF2B5EF4-FFF2-40B4-BE49-F238E27FC236}">
+                <a16:creationId xmlns:a16="http://schemas.microsoft.com/office/drawing/2014/main" id="{631D06C0-1C02-BE76-4281-D6BAC3927532}"/>
+              </a:ext>
+            </a:extLst>
+          </p:cNvPr>
+          <p:cNvCxnSpPr>
+            <a:cxnSpLocks/>
+          </p:cNvCxnSpPr>
+          <p:nvPr/>
+        </p:nvCxnSpPr>
+        <p:spPr>
+          <a:xfrm flipV="1">
+            <a:off x="2401379" y="4499715"/>
+            <a:ext cx="2781448" cy="473034"/>
+          </a:xfrm>
+          <a:prstGeom prst="line">
+            <a:avLst/>
+          </a:prstGeom>
+          <a:ln w="28575">
+            <a:solidFill>
+              <a:schemeClr val="tx1"/>
+            </a:solidFill>
+          </a:ln>
+        </p:spPr>
+        <p:style>
+          <a:lnRef idx="2">
+            <a:schemeClr val="accent1"/>
+          </a:lnRef>
+          <a:fillRef idx="0">
+            <a:schemeClr val="accent1"/>
+          </a:fillRef>
+          <a:effectRef idx="1">
+            <a:schemeClr val="accent1"/>
+          </a:effectRef>
+          <a:fontRef idx="minor">
+            <a:schemeClr val="tx1"/>
+          </a:fontRef>
+        </p:style>
+      </p:cxnSp>
+      <p:cxnSp>
+        <p:nvCxnSpPr>
+          <p:cNvPr id="51" name="Straight Connector 50">
+            <a:extLst>
+              <a:ext uri="{FF2B5EF4-FFF2-40B4-BE49-F238E27FC236}">
+                <a16:creationId xmlns:a16="http://schemas.microsoft.com/office/drawing/2014/main" id="{213C1255-A238-A3E1-B62D-EBEAB59A981C}"/>
+              </a:ext>
+            </a:extLst>
+          </p:cNvPr>
+          <p:cNvCxnSpPr>
+            <a:cxnSpLocks/>
+          </p:cNvCxnSpPr>
+          <p:nvPr/>
+        </p:nvCxnSpPr>
+        <p:spPr>
+          <a:xfrm flipV="1">
+            <a:off x="2380169" y="4437904"/>
+            <a:ext cx="2802658" cy="463222"/>
+          </a:xfrm>
+          <a:prstGeom prst="line">
+            <a:avLst/>
+          </a:prstGeom>
+          <a:ln w="28575">
+            <a:solidFill>
+              <a:schemeClr val="tx1"/>
+            </a:solidFill>
+          </a:ln>
+        </p:spPr>
+        <p:style>
+          <a:lnRef idx="2">
+            <a:schemeClr val="accent1"/>
+          </a:lnRef>
+          <a:fillRef idx="0">
+            <a:schemeClr val="accent1"/>
+          </a:fillRef>
+          <a:effectRef idx="1">
+            <a:schemeClr val="accent1"/>
+          </a:effectRef>
+          <a:fontRef idx="minor">
+            <a:schemeClr val="tx1"/>
+          </a:fontRef>
+        </p:style>
+      </p:cxnSp>
+      <p:cxnSp>
+        <p:nvCxnSpPr>
+          <p:cNvPr id="52" name="Straight Connector 51">
+            <a:extLst>
+              <a:ext uri="{FF2B5EF4-FFF2-40B4-BE49-F238E27FC236}">
+                <a16:creationId xmlns:a16="http://schemas.microsoft.com/office/drawing/2014/main" id="{234D65B8-44A1-F50C-5548-EDFE71AF7E25}"/>
+              </a:ext>
+            </a:extLst>
+          </p:cNvPr>
+          <p:cNvCxnSpPr>
+            <a:cxnSpLocks/>
+          </p:cNvCxnSpPr>
+          <p:nvPr/>
+        </p:nvCxnSpPr>
+        <p:spPr>
+          <a:xfrm flipV="1">
+            <a:off x="2380169" y="4372536"/>
+            <a:ext cx="2802658" cy="460281"/>
+          </a:xfrm>
+          <a:prstGeom prst="line">
+            <a:avLst/>
+          </a:prstGeom>
+          <a:ln w="28575">
+            <a:solidFill>
+              <a:schemeClr val="tx1"/>
+            </a:solidFill>
+          </a:ln>
+        </p:spPr>
+        <p:style>
+          <a:lnRef idx="2">
+            <a:schemeClr val="accent1"/>
+          </a:lnRef>
+          <a:fillRef idx="0">
+            <a:schemeClr val="accent1"/>
+          </a:fillRef>
+          <a:effectRef idx="1">
+            <a:schemeClr val="accent1"/>
+          </a:effectRef>
+          <a:fontRef idx="minor">
+            <a:schemeClr val="tx1"/>
+          </a:fontRef>
+        </p:style>
+      </p:cxnSp>
+      <p:cxnSp>
+        <p:nvCxnSpPr>
+          <p:cNvPr id="53" name="Straight Connector 52">
+            <a:extLst>
+              <a:ext uri="{FF2B5EF4-FFF2-40B4-BE49-F238E27FC236}">
+                <a16:creationId xmlns:a16="http://schemas.microsoft.com/office/drawing/2014/main" id="{589DE81A-9FBE-BFB6-092A-C7690508246D}"/>
+              </a:ext>
+            </a:extLst>
+          </p:cNvPr>
+          <p:cNvCxnSpPr>
+            <a:cxnSpLocks/>
+          </p:cNvCxnSpPr>
+          <p:nvPr/>
+        </p:nvCxnSpPr>
+        <p:spPr>
+          <a:xfrm flipV="1">
+            <a:off x="2469691" y="4832817"/>
+            <a:ext cx="2713136" cy="473762"/>
+          </a:xfrm>
+          <a:prstGeom prst="line">
+            <a:avLst/>
+          </a:prstGeom>
+          <a:ln w="28575">
+            <a:solidFill>
+              <a:schemeClr val="tx1"/>
+            </a:solidFill>
+          </a:ln>
+        </p:spPr>
+        <p:style>
+          <a:lnRef idx="2">
+            <a:schemeClr val="accent1"/>
+          </a:lnRef>
+          <a:fillRef idx="0">
+            <a:schemeClr val="accent1"/>
+          </a:fillRef>
+          <a:effectRef idx="1">
+            <a:schemeClr val="accent1"/>
+          </a:effectRef>
+          <a:fontRef idx="minor">
+            <a:schemeClr val="tx1"/>
+          </a:fontRef>
+        </p:style>
+      </p:cxnSp>
+      <p:sp>
+        <p:nvSpPr>
+          <p:cNvPr id="185" name="Cube 184">
+            <a:extLst>
+              <a:ext uri="{FF2B5EF4-FFF2-40B4-BE49-F238E27FC236}">
+                <a16:creationId xmlns:a16="http://schemas.microsoft.com/office/drawing/2014/main" id="{19C4C2D6-5B4A-5A88-CACC-72B1ED21D41C}"/>
+              </a:ext>
+            </a:extLst>
+          </p:cNvPr>
+          <p:cNvSpPr/>
+          <p:nvPr/>
+        </p:nvSpPr>
+        <p:spPr>
+          <a:xfrm>
+            <a:off x="4915710" y="3561212"/>
+            <a:ext cx="1845589" cy="1845589"/>
+          </a:xfrm>
+          <a:prstGeom prst="cube">
+            <a:avLst>
+              <a:gd name="adj" fmla="val 28770"/>
+            </a:avLst>
+          </a:prstGeom>
+          <a:gradFill flip="none" rotWithShape="1">
+            <a:gsLst>
+              <a:gs pos="100000">
+                <a:schemeClr val="tx2">
+                  <a:lumMod val="25000"/>
+                  <a:lumOff val="75000"/>
+                </a:schemeClr>
+              </a:gs>
+              <a:gs pos="0">
+                <a:schemeClr val="bg1"/>
+              </a:gs>
+              <a:gs pos="54000">
+                <a:schemeClr val="tx2">
+                  <a:lumMod val="10000"/>
+                  <a:lumOff val="90000"/>
+                </a:schemeClr>
+              </a:gs>
+            </a:gsLst>
+            <a:lin ang="2700000" scaled="1"/>
+            <a:tileRect/>
+          </a:gradFill>
+        </p:spPr>
+        <p:style>
+          <a:lnRef idx="2">
+            <a:schemeClr val="accent1">
+              <a:shade val="15000"/>
+            </a:schemeClr>
+          </a:lnRef>
+          <a:fillRef idx="1">
+            <a:schemeClr val="accent1"/>
+          </a:fillRef>
+          <a:effectRef idx="0">
+            <a:schemeClr val="accent1"/>
+          </a:effectRef>
+          <a:fontRef idx="minor">
+            <a:schemeClr val="lt1"/>
+          </a:fontRef>
+        </p:style>
+        <p:txBody>
+          <a:bodyPr rtlCol="0" anchor="ctr"/>
+          <a:lstStyle/>
+          <a:p>
+            <a:pPr algn="ctr"/>
+            <a:endParaRPr lang="en-US" dirty="0"/>
+          </a:p>
+        </p:txBody>
+      </p:sp>
+      <p:pic>
+        <p:nvPicPr>
+          <p:cNvPr id="159" name="Graphic 158">
+            <a:extLst>
+              <a:ext uri="{FF2B5EF4-FFF2-40B4-BE49-F238E27FC236}">
+                <a16:creationId xmlns:a16="http://schemas.microsoft.com/office/drawing/2014/main" id="{D9463CC8-6305-EB9D-CE7B-5AF847767961}"/>
+              </a:ext>
+            </a:extLst>
+          </p:cNvPr>
+          <p:cNvPicPr>
+            <a:picLocks noChangeAspect="1"/>
+          </p:cNvPicPr>
+          <p:nvPr/>
+        </p:nvPicPr>
+        <p:blipFill>
+          <a:blip r:embed="rId3">
+            <a:extLst>
+              <a:ext uri="{96DAC541-7B7A-43D3-8B79-37D633B846F1}">
+                <asvg:svgBlip xmlns:asvg="http://schemas.microsoft.com/office/drawing/2016/SVG/main" r:embed="rId4"/>
+              </a:ext>
+            </a:extLst>
+          </a:blip>
+          <a:srcRect/>
+          <a:stretch/>
+        </p:blipFill>
+        <p:spPr>
+          <a:xfrm>
+            <a:off x="8705600" y="3282561"/>
+            <a:ext cx="2594310" cy="2594310"/>
+          </a:xfrm>
+          <a:prstGeom prst="rect">
+            <a:avLst/>
+          </a:prstGeom>
+        </p:spPr>
+      </p:pic>
+      <p:cxnSp>
+        <p:nvCxnSpPr>
+          <p:cNvPr id="160" name="Straight Connector 159">
+            <a:extLst>
+              <a:ext uri="{FF2B5EF4-FFF2-40B4-BE49-F238E27FC236}">
+                <a16:creationId xmlns:a16="http://schemas.microsoft.com/office/drawing/2014/main" id="{CE0C6DE9-F3C7-9F2E-2C10-12C67AAB0ED2}"/>
+              </a:ext>
+            </a:extLst>
+          </p:cNvPr>
+          <p:cNvCxnSpPr>
+            <a:cxnSpLocks/>
+          </p:cNvCxnSpPr>
+          <p:nvPr/>
+        </p:nvCxnSpPr>
+        <p:spPr>
+          <a:xfrm flipV="1">
+            <a:off x="6066549" y="3369730"/>
+            <a:ext cx="3474615" cy="1622652"/>
+          </a:xfrm>
+          <a:prstGeom prst="line">
+            <a:avLst/>
+          </a:prstGeom>
+          <a:ln w="19050">
+            <a:solidFill>
+              <a:schemeClr val="tx1"/>
+            </a:solidFill>
+            <a:prstDash val="dash"/>
+          </a:ln>
+        </p:spPr>
+        <p:style>
+          <a:lnRef idx="2">
+            <a:schemeClr val="accent1"/>
+          </a:lnRef>
+          <a:fillRef idx="0">
+            <a:schemeClr val="accent1"/>
+          </a:fillRef>
+          <a:effectRef idx="1">
+            <a:schemeClr val="accent1"/>
+          </a:effectRef>
+          <a:fontRef idx="minor">
+            <a:schemeClr val="tx1"/>
+          </a:fontRef>
+        </p:style>
+      </p:cxnSp>
+      <p:cxnSp>
+        <p:nvCxnSpPr>
+          <p:cNvPr id="161" name="Straight Connector 160">
+            <a:extLst>
+              <a:ext uri="{FF2B5EF4-FFF2-40B4-BE49-F238E27FC236}">
+                <a16:creationId xmlns:a16="http://schemas.microsoft.com/office/drawing/2014/main" id="{3CEBEE66-7439-8BE2-65C1-625822BE55B4}"/>
+              </a:ext>
+            </a:extLst>
+          </p:cNvPr>
+          <p:cNvCxnSpPr>
+            <a:cxnSpLocks/>
+          </p:cNvCxnSpPr>
+          <p:nvPr/>
+        </p:nvCxnSpPr>
+        <p:spPr>
+          <a:xfrm>
+            <a:off x="6066549" y="5101363"/>
+            <a:ext cx="3612996" cy="715261"/>
+          </a:xfrm>
+          <a:prstGeom prst="line">
+            <a:avLst/>
+          </a:prstGeom>
+          <a:ln w="19050">
+            <a:solidFill>
+              <a:schemeClr val="tx1"/>
+            </a:solidFill>
+            <a:prstDash val="dash"/>
+          </a:ln>
+        </p:spPr>
+        <p:style>
+          <a:lnRef idx="2">
+            <a:schemeClr val="accent1"/>
+          </a:lnRef>
+          <a:fillRef idx="0">
+            <a:schemeClr val="accent1"/>
+          </a:fillRef>
+          <a:effectRef idx="1">
+            <a:schemeClr val="accent1"/>
+          </a:effectRef>
+          <a:fontRef idx="minor">
+            <a:schemeClr val="tx1"/>
+          </a:fontRef>
+        </p:style>
+      </p:cxnSp>
+      <p:cxnSp>
+        <p:nvCxnSpPr>
+          <p:cNvPr id="163" name="Straight Connector 162">
+            <a:extLst>
+              <a:ext uri="{FF2B5EF4-FFF2-40B4-BE49-F238E27FC236}">
+                <a16:creationId xmlns:a16="http://schemas.microsoft.com/office/drawing/2014/main" id="{34413627-6206-63C5-60E5-41D7A296E463}"/>
+              </a:ext>
+            </a:extLst>
+          </p:cNvPr>
+          <p:cNvCxnSpPr>
+            <a:cxnSpLocks/>
+          </p:cNvCxnSpPr>
+          <p:nvPr/>
+        </p:nvCxnSpPr>
+        <p:spPr>
+          <a:xfrm flipH="1" flipV="1">
+            <a:off x="3393724" y="1610212"/>
+            <a:ext cx="1825738" cy="2629131"/>
+          </a:xfrm>
+          <a:prstGeom prst="line">
+            <a:avLst/>
+          </a:prstGeom>
+          <a:ln w="19050">
+            <a:solidFill>
+              <a:schemeClr val="tx1"/>
+            </a:solidFill>
+            <a:prstDash val="dash"/>
+          </a:ln>
+        </p:spPr>
+        <p:style>
+          <a:lnRef idx="2">
+            <a:schemeClr val="accent1"/>
+          </a:lnRef>
+          <a:fillRef idx="0">
+            <a:schemeClr val="accent1"/>
+          </a:fillRef>
+          <a:effectRef idx="1">
+            <a:schemeClr val="accent1"/>
+          </a:effectRef>
+          <a:fontRef idx="minor">
+            <a:schemeClr val="tx1"/>
+          </a:fontRef>
+        </p:style>
+      </p:cxnSp>
+      <p:cxnSp>
+        <p:nvCxnSpPr>
+          <p:cNvPr id="164" name="Straight Connector 163">
+            <a:extLst>
+              <a:ext uri="{FF2B5EF4-FFF2-40B4-BE49-F238E27FC236}">
+                <a16:creationId xmlns:a16="http://schemas.microsoft.com/office/drawing/2014/main" id="{F0B9F1E6-AF6F-D0F2-A8AC-7FE098461770}"/>
+              </a:ext>
+            </a:extLst>
+          </p:cNvPr>
+          <p:cNvCxnSpPr>
+            <a:cxnSpLocks/>
+          </p:cNvCxnSpPr>
+          <p:nvPr/>
+        </p:nvCxnSpPr>
+        <p:spPr>
+          <a:xfrm flipH="1" flipV="1">
+            <a:off x="1965947" y="3599493"/>
+            <a:ext cx="3216880" cy="692741"/>
+          </a:xfrm>
+          <a:prstGeom prst="line">
+            <a:avLst/>
+          </a:prstGeom>
+          <a:ln w="19050">
+            <a:solidFill>
+              <a:schemeClr val="tx1"/>
+            </a:solidFill>
+            <a:prstDash val="dash"/>
+          </a:ln>
+        </p:spPr>
+        <p:style>
+          <a:lnRef idx="2">
+            <a:schemeClr val="accent1"/>
+          </a:lnRef>
+          <a:fillRef idx="0">
+            <a:schemeClr val="accent1"/>
+          </a:fillRef>
+          <a:effectRef idx="1">
+            <a:schemeClr val="accent1"/>
+          </a:effectRef>
+          <a:fontRef idx="minor">
+            <a:schemeClr val="tx1"/>
+          </a:fontRef>
+        </p:style>
+      </p:cxnSp>
+      <p:grpSp>
+        <p:nvGrpSpPr>
+          <p:cNvPr id="174" name="Group 173">
+            <a:extLst>
+              <a:ext uri="{FF2B5EF4-FFF2-40B4-BE49-F238E27FC236}">
+                <a16:creationId xmlns:a16="http://schemas.microsoft.com/office/drawing/2014/main" id="{6DBE64CE-DE7D-AD12-02E4-08B2D7F007A5}"/>
+              </a:ext>
+            </a:extLst>
+          </p:cNvPr>
+          <p:cNvGrpSpPr/>
+          <p:nvPr/>
+        </p:nvGrpSpPr>
+        <p:grpSpPr>
+          <a:xfrm>
+            <a:off x="1068481" y="1073522"/>
+            <a:ext cx="2579895" cy="2586884"/>
+            <a:chOff x="1801120" y="1048096"/>
+            <a:chExt cx="2579895" cy="2586884"/>
+          </a:xfrm>
+        </p:grpSpPr>
+        <p:sp>
+          <p:nvSpPr>
+            <p:cNvPr id="162" name="Oval 161">
+              <a:extLst>
+                <a:ext uri="{FF2B5EF4-FFF2-40B4-BE49-F238E27FC236}">
+                  <a16:creationId xmlns:a16="http://schemas.microsoft.com/office/drawing/2014/main" id="{7CDFCBF7-F634-AB94-E08E-BB3544D40E55}"/>
+                </a:ext>
+              </a:extLst>
+            </p:cNvPr>
+            <p:cNvSpPr/>
+            <p:nvPr/>
+          </p:nvSpPr>
+          <p:spPr>
+            <a:xfrm>
+              <a:off x="1801120" y="1048096"/>
+              <a:ext cx="2579895" cy="2586884"/>
+            </a:xfrm>
+            <a:prstGeom prst="ellipse">
+              <a:avLst/>
+            </a:prstGeom>
+            <a:gradFill>
+              <a:gsLst>
+                <a:gs pos="100000">
+                  <a:schemeClr val="tx2">
+                    <a:lumMod val="25000"/>
+                    <a:lumOff val="75000"/>
+                  </a:schemeClr>
+                </a:gs>
+                <a:gs pos="70000">
+                  <a:schemeClr val="tx2">
+                    <a:lumMod val="10000"/>
+                    <a:lumOff val="90000"/>
+                  </a:schemeClr>
+                </a:gs>
+                <a:gs pos="0">
+                  <a:schemeClr val="bg1"/>
+                </a:gs>
+              </a:gsLst>
+              <a:lin ang="2700000" scaled="1"/>
+            </a:gradFill>
+          </p:spPr>
+          <p:style>
+            <a:lnRef idx="2">
+              <a:schemeClr val="accent1">
+                <a:shade val="15000"/>
+              </a:schemeClr>
+            </a:lnRef>
+            <a:fillRef idx="1">
+              <a:schemeClr val="accent1"/>
+            </a:fillRef>
+            <a:effectRef idx="0">
+              <a:schemeClr val="accent1"/>
+            </a:effectRef>
+            <a:fontRef idx="minor">
+              <a:schemeClr val="lt1"/>
+            </a:fontRef>
+          </p:style>
+          <p:txBody>
+            <a:bodyPr rtlCol="0" anchor="ctr"/>
+            <a:lstStyle/>
+            <a:p>
+              <a:pPr algn="ctr"/>
+              <a:endParaRPr lang="en-US" dirty="0"/>
+            </a:p>
+          </p:txBody>
+        </p:sp>
+        <p:pic>
+          <p:nvPicPr>
+            <p:cNvPr id="165" name="Graphic 164">
+              <a:extLst>
+                <a:ext uri="{FF2B5EF4-FFF2-40B4-BE49-F238E27FC236}">
+                  <a16:creationId xmlns:a16="http://schemas.microsoft.com/office/drawing/2014/main" id="{2E62F31B-4ADE-C568-CAC5-14E69EDCE31F}"/>
+                </a:ext>
+              </a:extLst>
+            </p:cNvPr>
+            <p:cNvPicPr>
+              <a:picLocks noChangeAspect="1"/>
+            </p:cNvPicPr>
+            <p:nvPr/>
+          </p:nvPicPr>
+          <p:blipFill>
+            <a:blip r:embed="rId5">
+              <a:extLst>
+                <a:ext uri="{96DAC541-7B7A-43D3-8B79-37D633B846F1}">
+                  <asvg:svgBlip xmlns:asvg="http://schemas.microsoft.com/office/drawing/2016/SVG/main" r:embed="rId6"/>
+                </a:ext>
+              </a:extLst>
+            </a:blip>
+            <a:stretch>
+              <a:fillRect/>
+            </a:stretch>
+          </p:blipFill>
+          <p:spPr>
+            <a:xfrm>
+              <a:off x="2060880" y="2148077"/>
+              <a:ext cx="1991730" cy="434096"/>
+            </a:xfrm>
+            <a:prstGeom prst="rect">
+              <a:avLst/>
+            </a:prstGeom>
+          </p:spPr>
+        </p:pic>
+        <p:pic>
+          <p:nvPicPr>
+            <p:cNvPr id="166" name="Picture 165">
+              <a:extLst>
+                <a:ext uri="{FF2B5EF4-FFF2-40B4-BE49-F238E27FC236}">
+                  <a16:creationId xmlns:a16="http://schemas.microsoft.com/office/drawing/2014/main" id="{4EDE5961-9D32-F676-2BA9-AAC01656FF4F}"/>
+                </a:ext>
+              </a:extLst>
+            </p:cNvPr>
+            <p:cNvPicPr>
+              <a:picLocks noChangeAspect="1"/>
+            </p:cNvPicPr>
+            <p:nvPr/>
+          </p:nvPicPr>
+          <p:blipFill>
+            <a:blip r:embed="rId7"/>
+            <a:stretch>
+              <a:fillRect/>
+            </a:stretch>
+          </p:blipFill>
+          <p:spPr>
+            <a:xfrm>
+              <a:off x="1952866" y="1733486"/>
+              <a:ext cx="2286821" cy="317614"/>
+            </a:xfrm>
+            <a:prstGeom prst="rect">
+              <a:avLst/>
+            </a:prstGeom>
+          </p:spPr>
+        </p:pic>
+        <p:pic>
+          <p:nvPicPr>
+            <p:cNvPr id="167" name="Picture 166">
+              <a:extLst>
+                <a:ext uri="{FF2B5EF4-FFF2-40B4-BE49-F238E27FC236}">
+                  <a16:creationId xmlns:a16="http://schemas.microsoft.com/office/drawing/2014/main" id="{762583FE-AA4E-8B02-DADD-9658C7E2FF5F}"/>
+                </a:ext>
+              </a:extLst>
+            </p:cNvPr>
+            <p:cNvPicPr>
+              <a:picLocks noChangeAspect="1"/>
+            </p:cNvPicPr>
+            <p:nvPr/>
+          </p:nvPicPr>
+          <p:blipFill>
+            <a:blip r:embed="rId8"/>
+            <a:stretch>
+              <a:fillRect/>
+            </a:stretch>
+          </p:blipFill>
+          <p:spPr>
+            <a:xfrm>
+              <a:off x="2083029" y="2718522"/>
+              <a:ext cx="2002500" cy="289132"/>
+            </a:xfrm>
+            <a:prstGeom prst="rect">
+              <a:avLst/>
+            </a:prstGeom>
+          </p:spPr>
+        </p:pic>
+      </p:grpSp>
+      <p:sp>
+        <p:nvSpPr>
+          <p:cNvPr id="22" name="Freeform 21">
+            <a:extLst>
+              <a:ext uri="{FF2B5EF4-FFF2-40B4-BE49-F238E27FC236}">
+                <a16:creationId xmlns:a16="http://schemas.microsoft.com/office/drawing/2014/main" id="{EC237C41-9EB0-6177-B9AB-76BF30D9D4C7}"/>
+              </a:ext>
+            </a:extLst>
+          </p:cNvPr>
+          <p:cNvSpPr/>
+          <p:nvPr/>
+        </p:nvSpPr>
+        <p:spPr>
+          <a:xfrm>
+            <a:off x="7267576" y="1538689"/>
+            <a:ext cx="3226609" cy="706662"/>
+          </a:xfrm>
+          <a:custGeom>
+            <a:avLst/>
+            <a:gdLst>
+              <a:gd name="connsiteX0" fmla="*/ 0 w 3235325"/>
+              <a:gd name="connsiteY0" fmla="*/ 566336 h 706662"/>
+              <a:gd name="connsiteX1" fmla="*/ 990600 w 3235325"/>
+              <a:gd name="connsiteY1" fmla="*/ 1186 h 706662"/>
+              <a:gd name="connsiteX2" fmla="*/ 2225675 w 3235325"/>
+              <a:gd name="connsiteY2" fmla="*/ 699686 h 706662"/>
+              <a:gd name="connsiteX3" fmla="*/ 3235325 w 3235325"/>
+              <a:gd name="connsiteY3" fmla="*/ 299636 h 706662"/>
+            </a:gdLst>
+            <a:ahLst/>
+            <a:cxnLst>
+              <a:cxn ang="0">
+                <a:pos x="connsiteX0" y="connsiteY0"/>
+              </a:cxn>
+              <a:cxn ang="0">
+                <a:pos x="connsiteX1" y="connsiteY1"/>
+              </a:cxn>
+              <a:cxn ang="0">
+                <a:pos x="connsiteX2" y="connsiteY2"/>
+              </a:cxn>
+              <a:cxn ang="0">
+                <a:pos x="connsiteX3" y="connsiteY3"/>
+              </a:cxn>
+            </a:cxnLst>
+            <a:rect l="l" t="t" r="r" b="b"/>
+            <a:pathLst>
+              <a:path w="3235325" h="706662">
+                <a:moveTo>
+                  <a:pt x="0" y="566336"/>
+                </a:moveTo>
+                <a:cubicBezTo>
+                  <a:pt x="309827" y="272648"/>
+                  <a:pt x="619654" y="-21039"/>
+                  <a:pt x="990600" y="1186"/>
+                </a:cubicBezTo>
+                <a:cubicBezTo>
+                  <a:pt x="1361546" y="23411"/>
+                  <a:pt x="1851554" y="649944"/>
+                  <a:pt x="2225675" y="699686"/>
+                </a:cubicBezTo>
+                <a:cubicBezTo>
+                  <a:pt x="2599796" y="749428"/>
+                  <a:pt x="2917560" y="524532"/>
+                  <a:pt x="3235325" y="299636"/>
+                </a:cubicBezTo>
+              </a:path>
+            </a:pathLst>
+          </a:custGeom>
+          <a:noFill/>
+          <a:ln w="38100">
+            <a:solidFill>
+              <a:schemeClr val="accent1">
+                <a:shade val="15000"/>
+              </a:schemeClr>
+            </a:solidFill>
+            <a:headEnd type="oval" w="sm" len="sm"/>
+            <a:tailEnd type="oval" w="sm" len="sm"/>
+          </a:ln>
+        </p:spPr>
+        <p:style>
+          <a:lnRef idx="2">
+            <a:schemeClr val="accent1">
+              <a:shade val="15000"/>
+            </a:schemeClr>
+          </a:lnRef>
+          <a:fillRef idx="1">
+            <a:schemeClr val="accent1"/>
+          </a:fillRef>
+          <a:effectRef idx="0">
+            <a:schemeClr val="accent1"/>
+          </a:effectRef>
+          <a:fontRef idx="minor">
+            <a:schemeClr val="lt1"/>
+          </a:fontRef>
+        </p:style>
+        <p:txBody>
+          <a:bodyPr rtlCol="0" anchor="ctr"/>
+          <a:lstStyle/>
+          <a:p>
+            <a:pPr algn="ctr"/>
+            <a:endParaRPr lang="en-US"/>
+          </a:p>
+        </p:txBody>
+      </p:sp>
+      <p:grpSp>
+        <p:nvGrpSpPr>
+          <p:cNvPr id="23" name="Group 22">
+            <a:extLst>
+              <a:ext uri="{FF2B5EF4-FFF2-40B4-BE49-F238E27FC236}">
+                <a16:creationId xmlns:a16="http://schemas.microsoft.com/office/drawing/2014/main" id="{55F3F7AC-B251-C1B4-A39D-E9E65F02445E}"/>
+              </a:ext>
+            </a:extLst>
+          </p:cNvPr>
+          <p:cNvGrpSpPr/>
+          <p:nvPr/>
+        </p:nvGrpSpPr>
+        <p:grpSpPr>
+          <a:xfrm rot="18170987">
+            <a:off x="922783" y="4476177"/>
+            <a:ext cx="1523036" cy="1509464"/>
+            <a:chOff x="1243924" y="999958"/>
+            <a:chExt cx="1292934" cy="1281413"/>
+          </a:xfrm>
+        </p:grpSpPr>
+        <p:pic>
+          <p:nvPicPr>
+            <p:cNvPr id="24" name="Graphic 23">
+              <a:extLst>
+                <a:ext uri="{FF2B5EF4-FFF2-40B4-BE49-F238E27FC236}">
+                  <a16:creationId xmlns:a16="http://schemas.microsoft.com/office/drawing/2014/main" id="{BB6895BF-D6F1-EEFB-64F4-2EBD454614CF}"/>
+                </a:ext>
+              </a:extLst>
+            </p:cNvPr>
+            <p:cNvPicPr>
+              <a:picLocks noChangeAspect="1"/>
+            </p:cNvPicPr>
+            <p:nvPr/>
+          </p:nvPicPr>
+          <p:blipFill>
+            <a:blip r:embed="rId9">
+              <a:extLst>
+                <a:ext uri="{96DAC541-7B7A-43D3-8B79-37D633B846F1}">
+                  <asvg:svgBlip xmlns:asvg="http://schemas.microsoft.com/office/drawing/2016/SVG/main" r:embed="rId10"/>
+                </a:ext>
+              </a:extLst>
+            </a:blip>
+            <a:srcRect l="16625" t="16976" r="5146" b="20076"/>
+            <a:stretch/>
+          </p:blipFill>
+          <p:spPr>
+            <a:xfrm rot="10800000">
+              <a:off x="1243924" y="999958"/>
+              <a:ext cx="1292934" cy="1281413"/>
+            </a:xfrm>
+            <a:prstGeom prst="rect">
+              <a:avLst/>
+            </a:prstGeom>
+          </p:spPr>
+        </p:pic>
+        <p:pic>
+          <p:nvPicPr>
+            <p:cNvPr id="25" name="Graphic 24">
+              <a:extLst>
+                <a:ext uri="{FF2B5EF4-FFF2-40B4-BE49-F238E27FC236}">
+                  <a16:creationId xmlns:a16="http://schemas.microsoft.com/office/drawing/2014/main" id="{97444FB9-2476-E125-32C3-C4EEDF0AF9BC}"/>
+                </a:ext>
+              </a:extLst>
+            </p:cNvPr>
+            <p:cNvPicPr>
+              <a:picLocks noChangeAspect="1"/>
+            </p:cNvPicPr>
+            <p:nvPr/>
+          </p:nvPicPr>
+          <p:blipFill>
+            <a:blip r:embed="rId11">
+              <a:extLst>
+                <a:ext uri="{96DAC541-7B7A-43D3-8B79-37D633B846F1}">
+                  <asvg:svgBlip xmlns:asvg="http://schemas.microsoft.com/office/drawing/2016/SVG/main" r:embed="rId12"/>
+                </a:ext>
+              </a:extLst>
+            </a:blip>
+            <a:srcRect l="8212" t="252" r="6748" b="21560"/>
+            <a:stretch/>
+          </p:blipFill>
+          <p:spPr>
+            <a:xfrm rot="18900000">
+              <a:off x="1969850" y="1692978"/>
+              <a:ext cx="260250" cy="296706"/>
+            </a:xfrm>
+            <a:prstGeom prst="rect">
+              <a:avLst/>
+            </a:prstGeom>
+          </p:spPr>
+        </p:pic>
+      </p:grpSp>
+      <p:pic>
+        <p:nvPicPr>
+          <p:cNvPr id="26" name="Picture 25">
+            <a:extLst>
+              <a:ext uri="{FF2B5EF4-FFF2-40B4-BE49-F238E27FC236}">
+                <a16:creationId xmlns:a16="http://schemas.microsoft.com/office/drawing/2014/main" id="{E17AFFA6-CC96-5D9C-37D6-60297D5E1FF7}"/>
+              </a:ext>
+            </a:extLst>
+          </p:cNvPr>
+          <p:cNvPicPr>
+            <a:picLocks noChangeAspect="1"/>
+          </p:cNvPicPr>
+          <p:nvPr/>
+        </p:nvPicPr>
+        <p:blipFill>
+          <a:blip r:embed="rId13"/>
+          <a:stretch>
+            <a:fillRect/>
+          </a:stretch>
+        </p:blipFill>
+        <p:spPr>
+          <a:xfrm>
+            <a:off x="6646939" y="1972604"/>
+            <a:ext cx="495986" cy="251390"/>
+          </a:xfrm>
+          <a:prstGeom prst="rect">
+            <a:avLst/>
+          </a:prstGeom>
+        </p:spPr>
+      </p:pic>
+      <p:pic>
+        <p:nvPicPr>
+          <p:cNvPr id="27" name="Picture 26">
+            <a:extLst>
+              <a:ext uri="{FF2B5EF4-FFF2-40B4-BE49-F238E27FC236}">
+                <a16:creationId xmlns:a16="http://schemas.microsoft.com/office/drawing/2014/main" id="{C620DAE6-A549-5CDB-7793-E8E3B933B846}"/>
+              </a:ext>
+            </a:extLst>
+          </p:cNvPr>
+          <p:cNvPicPr>
+            <a:picLocks noChangeAspect="1"/>
+          </p:cNvPicPr>
+          <p:nvPr/>
+        </p:nvPicPr>
+        <p:blipFill>
+          <a:blip r:embed="rId14"/>
+          <a:stretch>
+            <a:fillRect/>
+          </a:stretch>
+        </p:blipFill>
+        <p:spPr>
+          <a:xfrm>
+            <a:off x="3075653" y="4302999"/>
+            <a:ext cx="318806" cy="280853"/>
+          </a:xfrm>
+          <a:prstGeom prst="rect">
+            <a:avLst/>
+          </a:prstGeom>
+        </p:spPr>
+      </p:pic>
+      <p:pic>
+        <p:nvPicPr>
+          <p:cNvPr id="28" name="Picture 27">
+            <a:extLst>
+              <a:ext uri="{FF2B5EF4-FFF2-40B4-BE49-F238E27FC236}">
+                <a16:creationId xmlns:a16="http://schemas.microsoft.com/office/drawing/2014/main" id="{AA3A6A8C-53AF-D00F-EDF4-5A04705A9E50}"/>
+              </a:ext>
+            </a:extLst>
+          </p:cNvPr>
+          <p:cNvPicPr>
+            <a:picLocks noChangeAspect="1"/>
+          </p:cNvPicPr>
+          <p:nvPr/>
+        </p:nvPicPr>
+        <p:blipFill>
+          <a:blip r:embed="rId15"/>
+          <a:stretch>
+            <a:fillRect/>
+          </a:stretch>
+        </p:blipFill>
+        <p:spPr>
+          <a:xfrm>
+            <a:off x="7439804" y="798664"/>
+            <a:ext cx="3036038" cy="204988"/>
+          </a:xfrm>
+          <a:prstGeom prst="rect">
+            <a:avLst/>
+          </a:prstGeom>
+        </p:spPr>
+      </p:pic>
+      <p:grpSp>
+        <p:nvGrpSpPr>
+          <p:cNvPr id="33" name="Group 32">
+            <a:extLst>
+              <a:ext uri="{FF2B5EF4-FFF2-40B4-BE49-F238E27FC236}">
+                <a16:creationId xmlns:a16="http://schemas.microsoft.com/office/drawing/2014/main" id="{C1C86D3A-E298-1D06-EE22-CFBA1A86433A}"/>
+              </a:ext>
+            </a:extLst>
+          </p:cNvPr>
+          <p:cNvGrpSpPr/>
+          <p:nvPr/>
+        </p:nvGrpSpPr>
+        <p:grpSpPr>
+          <a:xfrm>
+            <a:off x="892090" y="4517617"/>
+            <a:ext cx="798624" cy="332496"/>
+            <a:chOff x="1659363" y="2122865"/>
+            <a:chExt cx="798624" cy="332496"/>
+          </a:xfrm>
+        </p:grpSpPr>
+        <p:pic>
+          <p:nvPicPr>
+            <p:cNvPr id="34" name="Picture 33">
+              <a:extLst>
+                <a:ext uri="{FF2B5EF4-FFF2-40B4-BE49-F238E27FC236}">
+                  <a16:creationId xmlns:a16="http://schemas.microsoft.com/office/drawing/2014/main" id="{01D72F56-19A8-CF1A-B697-3D9C9F9AE89B}"/>
+                </a:ext>
+              </a:extLst>
+            </p:cNvPr>
+            <p:cNvPicPr>
+              <a:picLocks noChangeAspect="1"/>
+            </p:cNvPicPr>
+            <p:nvPr/>
+          </p:nvPicPr>
+          <p:blipFill>
+            <a:blip r:embed="rId16"/>
+            <a:stretch>
+              <a:fillRect/>
+            </a:stretch>
+          </p:blipFill>
+          <p:spPr>
+            <a:xfrm>
+              <a:off x="1752893" y="2350877"/>
+              <a:ext cx="590028" cy="104484"/>
+            </a:xfrm>
+            <a:prstGeom prst="rect">
+              <a:avLst/>
+            </a:prstGeom>
+          </p:spPr>
+        </p:pic>
+        <p:pic>
+          <p:nvPicPr>
+            <p:cNvPr id="35" name="Picture 34">
+              <a:extLst>
+                <a:ext uri="{FF2B5EF4-FFF2-40B4-BE49-F238E27FC236}">
+                  <a16:creationId xmlns:a16="http://schemas.microsoft.com/office/drawing/2014/main" id="{5BA410C9-2B89-5CE1-F7BA-830C40DB22DE}"/>
+                </a:ext>
+              </a:extLst>
+            </p:cNvPr>
+            <p:cNvPicPr>
+              <a:picLocks noChangeAspect="1"/>
+            </p:cNvPicPr>
+            <p:nvPr/>
+          </p:nvPicPr>
+          <p:blipFill>
+            <a:blip r:embed="rId17"/>
+            <a:stretch>
+              <a:fillRect/>
+            </a:stretch>
+          </p:blipFill>
+          <p:spPr>
+            <a:xfrm>
+              <a:off x="1659363" y="2122865"/>
+              <a:ext cx="798624" cy="196676"/>
+            </a:xfrm>
+            <a:prstGeom prst="rect">
+              <a:avLst/>
+            </a:prstGeom>
+          </p:spPr>
+        </p:pic>
+      </p:grpSp>
+      <p:pic>
+        <p:nvPicPr>
+          <p:cNvPr id="54" name="Picture 53" descr="A black background with a black square&#10;&#10;AI-generated content may be incorrect.">
+            <a:extLst>
+              <a:ext uri="{FF2B5EF4-FFF2-40B4-BE49-F238E27FC236}">
+                <a16:creationId xmlns:a16="http://schemas.microsoft.com/office/drawing/2014/main" id="{C21613E1-02FB-F22C-9698-F6C8BCB31C33}"/>
+              </a:ext>
+            </a:extLst>
+          </p:cNvPr>
+          <p:cNvPicPr>
+            <a:picLocks noChangeAspect="1"/>
+          </p:cNvPicPr>
+          <p:nvPr/>
+        </p:nvPicPr>
+        <p:blipFill>
+          <a:blip r:embed="rId18"/>
+          <a:srcRect l="27303" t="1124" r="28942" b="16628"/>
+          <a:stretch/>
+        </p:blipFill>
+        <p:spPr>
+          <a:xfrm>
+            <a:off x="10715201" y="1100894"/>
+            <a:ext cx="300392" cy="564652"/>
+          </a:xfrm>
+          <a:prstGeom prst="rect">
+            <a:avLst/>
+          </a:prstGeom>
+        </p:spPr>
+      </p:pic>
+      <p:grpSp>
+        <p:nvGrpSpPr>
+          <p:cNvPr id="55" name="Group 54">
+            <a:extLst>
+              <a:ext uri="{FF2B5EF4-FFF2-40B4-BE49-F238E27FC236}">
+                <a16:creationId xmlns:a16="http://schemas.microsoft.com/office/drawing/2014/main" id="{D07F2FB3-7383-ED38-4061-9AC64C20815B}"/>
+              </a:ext>
+            </a:extLst>
+          </p:cNvPr>
+          <p:cNvGrpSpPr/>
+          <p:nvPr/>
+        </p:nvGrpSpPr>
+        <p:grpSpPr>
+          <a:xfrm>
+            <a:off x="10645670" y="1892020"/>
+            <a:ext cx="442028" cy="375207"/>
+            <a:chOff x="10753344" y="2409444"/>
+            <a:chExt cx="539602" cy="375207"/>
+          </a:xfrm>
+        </p:grpSpPr>
+        <p:sp>
+          <p:nvSpPr>
+            <p:cNvPr id="56" name="Oval 55">
+              <a:extLst>
+                <a:ext uri="{FF2B5EF4-FFF2-40B4-BE49-F238E27FC236}">
+                  <a16:creationId xmlns:a16="http://schemas.microsoft.com/office/drawing/2014/main" id="{3562DA6B-84B7-34C5-D1CC-90CA5D7E8F38}"/>
+                </a:ext>
+              </a:extLst>
+            </p:cNvPr>
+            <p:cNvSpPr/>
+            <p:nvPr/>
+          </p:nvSpPr>
+          <p:spPr>
+            <a:xfrm>
+              <a:off x="10869517" y="2566901"/>
+              <a:ext cx="131290" cy="103553"/>
+            </a:xfrm>
+            <a:prstGeom prst="ellipse">
+              <a:avLst/>
+            </a:prstGeom>
+            <a:gradFill flip="none" rotWithShape="1">
+              <a:gsLst>
+                <a:gs pos="13000">
+                  <a:srgbClr val="C00000"/>
+                </a:gs>
+                <a:gs pos="69000">
+                  <a:srgbClr val="FF0000">
+                    <a:alpha val="60184"/>
+                  </a:srgbClr>
+                </a:gs>
+                <a:gs pos="100000">
+                  <a:srgbClr val="C00000">
+                    <a:tint val="23500"/>
+                    <a:satMod val="160000"/>
+                  </a:srgbClr>
+                </a:gs>
+              </a:gsLst>
+              <a:path path="circle">
+                <a:fillToRect l="50000" t="50000" r="50000" b="50000"/>
+              </a:path>
+              <a:tileRect/>
+            </a:gradFill>
+            <a:ln>
+              <a:solidFill>
+                <a:schemeClr val="tx1"/>
+              </a:solidFill>
+            </a:ln>
+          </p:spPr>
+          <p:style>
+            <a:lnRef idx="2">
+              <a:schemeClr val="accent1">
+                <a:shade val="15000"/>
+              </a:schemeClr>
+            </a:lnRef>
+            <a:fillRef idx="1">
+              <a:schemeClr val="accent1"/>
+            </a:fillRef>
+            <a:effectRef idx="0">
+              <a:schemeClr val="accent1"/>
+            </a:effectRef>
+            <a:fontRef idx="minor">
+              <a:schemeClr val="lt1"/>
+            </a:fontRef>
+          </p:style>
+          <p:txBody>
+            <a:bodyPr rtlCol="0" anchor="ctr"/>
+            <a:lstStyle/>
+            <a:p>
+              <a:pPr algn="ctr"/>
+              <a:endParaRPr lang="en-US"/>
+            </a:p>
+          </p:txBody>
+        </p:sp>
+        <p:sp>
+          <p:nvSpPr>
+            <p:cNvPr id="57" name="Freeform 56">
+              <a:extLst>
+                <a:ext uri="{FF2B5EF4-FFF2-40B4-BE49-F238E27FC236}">
+                  <a16:creationId xmlns:a16="http://schemas.microsoft.com/office/drawing/2014/main" id="{EDB9142E-B438-B478-F4E8-67A167F8CB1B}"/>
+                </a:ext>
+              </a:extLst>
+            </p:cNvPr>
+            <p:cNvSpPr/>
+            <p:nvPr/>
+          </p:nvSpPr>
+          <p:spPr>
+            <a:xfrm>
+              <a:off x="10753344" y="2409444"/>
+              <a:ext cx="539602" cy="375207"/>
+            </a:xfrm>
+            <a:custGeom>
+              <a:avLst/>
+              <a:gdLst>
+                <a:gd name="connsiteX0" fmla="*/ 0 w 1060704"/>
+                <a:gd name="connsiteY0" fmla="*/ 50292 h 375207"/>
+                <a:gd name="connsiteX1" fmla="*/ 557784 w 1060704"/>
+                <a:gd name="connsiteY1" fmla="*/ 374904 h 375207"/>
+                <a:gd name="connsiteX2" fmla="*/ 1060704 w 1060704"/>
+                <a:gd name="connsiteY2" fmla="*/ 0 h 375207"/>
+              </a:gdLst>
+              <a:ahLst/>
+              <a:cxnLst>
+                <a:cxn ang="0">
+                  <a:pos x="connsiteX0" y="connsiteY0"/>
+                </a:cxn>
+                <a:cxn ang="0">
+                  <a:pos x="connsiteX1" y="connsiteY1"/>
+                </a:cxn>
+                <a:cxn ang="0">
+                  <a:pos x="connsiteX2" y="connsiteY2"/>
+                </a:cxn>
+              </a:cxnLst>
+              <a:rect l="l" t="t" r="r" b="b"/>
+              <a:pathLst>
+                <a:path w="1060704" h="375207">
+                  <a:moveTo>
+                    <a:pt x="0" y="50292"/>
+                  </a:moveTo>
+                  <a:cubicBezTo>
+                    <a:pt x="190500" y="216789"/>
+                    <a:pt x="381000" y="383286"/>
+                    <a:pt x="557784" y="374904"/>
+                  </a:cubicBezTo>
+                  <a:cubicBezTo>
+                    <a:pt x="734568" y="366522"/>
+                    <a:pt x="976884" y="51054"/>
+                    <a:pt x="1060704" y="0"/>
+                  </a:cubicBezTo>
+                </a:path>
+              </a:pathLst>
+            </a:custGeom>
+            <a:noFill/>
+          </p:spPr>
+          <p:style>
+            <a:lnRef idx="2">
+              <a:schemeClr val="accent1">
+                <a:shade val="15000"/>
+              </a:schemeClr>
+            </a:lnRef>
+            <a:fillRef idx="1">
+              <a:schemeClr val="accent1"/>
+            </a:fillRef>
+            <a:effectRef idx="0">
+              <a:schemeClr val="accent1"/>
+            </a:effectRef>
+            <a:fontRef idx="minor">
+              <a:schemeClr val="lt1"/>
+            </a:fontRef>
+          </p:style>
+          <p:txBody>
+            <a:bodyPr rtlCol="0" anchor="ctr"/>
+            <a:lstStyle/>
+            <a:p>
+              <a:pPr algn="ctr"/>
+              <a:endParaRPr lang="en-US"/>
+            </a:p>
+          </p:txBody>
+        </p:sp>
+        <p:cxnSp>
+          <p:nvCxnSpPr>
+            <p:cNvPr id="58" name="Straight Arrow Connector 57">
+              <a:extLst>
+                <a:ext uri="{FF2B5EF4-FFF2-40B4-BE49-F238E27FC236}">
+                  <a16:creationId xmlns:a16="http://schemas.microsoft.com/office/drawing/2014/main" id="{07308909-3E4E-95BB-C9D3-4301809BB4EA}"/>
+                </a:ext>
+              </a:extLst>
+            </p:cNvPr>
+            <p:cNvCxnSpPr>
+              <a:cxnSpLocks/>
+              <a:endCxn id="57" idx="1"/>
+            </p:cNvCxnSpPr>
+            <p:nvPr/>
+          </p:nvCxnSpPr>
+          <p:spPr>
+            <a:xfrm>
+              <a:off x="10956675" y="2662762"/>
+              <a:ext cx="80425" cy="121586"/>
+            </a:xfrm>
+            <a:prstGeom prst="straightConnector1">
+              <a:avLst/>
+            </a:prstGeom>
+            <a:ln w="12700">
+              <a:solidFill>
+                <a:schemeClr val="tx1"/>
+              </a:solidFill>
+              <a:headEnd type="none" w="med" len="med"/>
+              <a:tailEnd type="triangle" w="med" len="med"/>
+            </a:ln>
+          </p:spPr>
+          <p:style>
+            <a:lnRef idx="2">
+              <a:schemeClr val="accent1"/>
+            </a:lnRef>
+            <a:fillRef idx="0">
+              <a:schemeClr val="accent1"/>
+            </a:fillRef>
+            <a:effectRef idx="1">
+              <a:schemeClr val="accent1"/>
+            </a:effectRef>
+            <a:fontRef idx="minor">
+              <a:schemeClr val="tx1"/>
+            </a:fontRef>
+          </p:style>
+        </p:cxnSp>
+      </p:grpSp>
+      <p:pic>
+        <p:nvPicPr>
+          <p:cNvPr id="59" name="Graphic 58">
+            <a:extLst>
+              <a:ext uri="{FF2B5EF4-FFF2-40B4-BE49-F238E27FC236}">
+                <a16:creationId xmlns:a16="http://schemas.microsoft.com/office/drawing/2014/main" id="{95AF228E-5A19-BC54-D603-F14280191154}"/>
+              </a:ext>
+            </a:extLst>
+          </p:cNvPr>
+          <p:cNvPicPr>
+            <a:picLocks noChangeAspect="1"/>
+          </p:cNvPicPr>
+          <p:nvPr/>
+        </p:nvPicPr>
+        <p:blipFill>
+          <a:blip r:embed="rId19">
+            <a:extLst>
+              <a:ext uri="{96DAC541-7B7A-43D3-8B79-37D633B846F1}">
+                <asvg:svgBlip xmlns:asvg="http://schemas.microsoft.com/office/drawing/2016/SVG/main" r:embed="rId20"/>
+              </a:ext>
+            </a:extLst>
+          </a:blip>
+          <a:srcRect l="24230" t="6109" r="24230" b="18112"/>
+          <a:stretch/>
+        </p:blipFill>
+        <p:spPr>
+          <a:xfrm>
+            <a:off x="10736857" y="2442958"/>
+            <a:ext cx="303588" cy="549783"/>
+          </a:xfrm>
+          <a:prstGeom prst="rect">
+            <a:avLst/>
+          </a:prstGeom>
+        </p:spPr>
+      </p:pic>
+      <p:pic>
+        <p:nvPicPr>
+          <p:cNvPr id="60" name="Picture 59">
+            <a:extLst>
+              <a:ext uri="{FF2B5EF4-FFF2-40B4-BE49-F238E27FC236}">
+                <a16:creationId xmlns:a16="http://schemas.microsoft.com/office/drawing/2014/main" id="{2CC9DD3F-7B86-8338-C113-30B49F7AE450}"/>
+              </a:ext>
+            </a:extLst>
+          </p:cNvPr>
+          <p:cNvPicPr>
+            <a:picLocks noChangeAspect="1"/>
+          </p:cNvPicPr>
+          <p:nvPr/>
+        </p:nvPicPr>
+        <p:blipFill>
+          <a:blip r:embed="rId21"/>
+          <a:stretch>
+            <a:fillRect/>
+          </a:stretch>
+        </p:blipFill>
+        <p:spPr>
+          <a:xfrm>
+            <a:off x="11125016" y="1326664"/>
+            <a:ext cx="775626" cy="113112"/>
+          </a:xfrm>
+          <a:prstGeom prst="rect">
+            <a:avLst/>
+          </a:prstGeom>
+        </p:spPr>
+      </p:pic>
+      <p:grpSp>
+        <p:nvGrpSpPr>
+          <p:cNvPr id="61" name="Group 60">
+            <a:extLst>
+              <a:ext uri="{FF2B5EF4-FFF2-40B4-BE49-F238E27FC236}">
+                <a16:creationId xmlns:a16="http://schemas.microsoft.com/office/drawing/2014/main" id="{A3EA7BDC-F4DE-759E-1B77-6CC8756A0610}"/>
+              </a:ext>
+            </a:extLst>
+          </p:cNvPr>
+          <p:cNvGrpSpPr/>
+          <p:nvPr/>
+        </p:nvGrpSpPr>
+        <p:grpSpPr>
+          <a:xfrm>
+            <a:off x="11181020" y="2582173"/>
+            <a:ext cx="658474" cy="271351"/>
+            <a:chOff x="11182734" y="2584538"/>
+            <a:chExt cx="658474" cy="271351"/>
+          </a:xfrm>
+        </p:grpSpPr>
+        <p:pic>
+          <p:nvPicPr>
+            <p:cNvPr id="62" name="Picture 61">
+              <a:extLst>
+                <a:ext uri="{FF2B5EF4-FFF2-40B4-BE49-F238E27FC236}">
+                  <a16:creationId xmlns:a16="http://schemas.microsoft.com/office/drawing/2014/main" id="{36DF6773-C6CE-82CA-2BEA-D93A8F6E7047}"/>
+                </a:ext>
+              </a:extLst>
+            </p:cNvPr>
+            <p:cNvPicPr>
+              <a:picLocks noChangeAspect="1"/>
+            </p:cNvPicPr>
+            <p:nvPr/>
+          </p:nvPicPr>
+          <p:blipFill>
+            <a:blip r:embed="rId22"/>
+            <a:stretch>
+              <a:fillRect/>
+            </a:stretch>
+          </p:blipFill>
+          <p:spPr>
+            <a:xfrm>
+              <a:off x="11182734" y="2584538"/>
+              <a:ext cx="658474" cy="133311"/>
+            </a:xfrm>
+            <a:prstGeom prst="rect">
+              <a:avLst/>
+            </a:prstGeom>
+          </p:spPr>
+        </p:pic>
+        <p:pic>
+          <p:nvPicPr>
+            <p:cNvPr id="63" name="Picture 62">
+              <a:extLst>
+                <a:ext uri="{FF2B5EF4-FFF2-40B4-BE49-F238E27FC236}">
+                  <a16:creationId xmlns:a16="http://schemas.microsoft.com/office/drawing/2014/main" id="{18F304F1-90E8-27DD-454D-B03887EA0659}"/>
+                </a:ext>
+              </a:extLst>
+            </p:cNvPr>
+            <p:cNvPicPr>
+              <a:picLocks noChangeAspect="1"/>
+            </p:cNvPicPr>
+            <p:nvPr/>
+          </p:nvPicPr>
+          <p:blipFill>
+            <a:blip r:embed="rId23"/>
+            <a:stretch>
+              <a:fillRect/>
+            </a:stretch>
+          </p:blipFill>
+          <p:spPr>
+            <a:xfrm>
+              <a:off x="11234484" y="2718538"/>
+              <a:ext cx="561523" cy="137351"/>
+            </a:xfrm>
+            <a:prstGeom prst="rect">
+              <a:avLst/>
+            </a:prstGeom>
+          </p:spPr>
+        </p:pic>
+      </p:grpSp>
+      <p:pic>
+        <p:nvPicPr>
+          <p:cNvPr id="64" name="Picture 63">
+            <a:extLst>
+              <a:ext uri="{FF2B5EF4-FFF2-40B4-BE49-F238E27FC236}">
+                <a16:creationId xmlns:a16="http://schemas.microsoft.com/office/drawing/2014/main" id="{0514F3A4-6063-E4E8-439B-DE45B94ABB22}"/>
+              </a:ext>
+            </a:extLst>
+          </p:cNvPr>
+          <p:cNvPicPr>
+            <a:picLocks noChangeAspect="1"/>
+          </p:cNvPicPr>
+          <p:nvPr/>
+        </p:nvPicPr>
+        <p:blipFill>
+          <a:blip r:embed="rId24"/>
+          <a:stretch>
+            <a:fillRect/>
+          </a:stretch>
+        </p:blipFill>
+        <p:spPr>
+          <a:xfrm>
+            <a:off x="11117808" y="2031644"/>
+            <a:ext cx="828142" cy="133311"/>
+          </a:xfrm>
+          <a:prstGeom prst="rect">
+            <a:avLst/>
+          </a:prstGeom>
+        </p:spPr>
+      </p:pic>
+      <p:pic>
+        <p:nvPicPr>
+          <p:cNvPr id="74" name="Graphic 73">
+            <a:extLst>
+              <a:ext uri="{FF2B5EF4-FFF2-40B4-BE49-F238E27FC236}">
+                <a16:creationId xmlns:a16="http://schemas.microsoft.com/office/drawing/2014/main" id="{58B855E3-2920-DE6B-F909-DBB0C1103E7D}"/>
+              </a:ext>
+            </a:extLst>
+          </p:cNvPr>
+          <p:cNvPicPr>
+            <a:picLocks noChangeAspect="1"/>
+          </p:cNvPicPr>
+          <p:nvPr/>
+        </p:nvPicPr>
+        <p:blipFill>
+          <a:blip r:embed="rId25">
+            <a:extLst>
+              <a:ext uri="{96DAC541-7B7A-43D3-8B79-37D633B846F1}">
+                <asvg:svgBlip xmlns:asvg="http://schemas.microsoft.com/office/drawing/2016/SVG/main" r:embed="rId26"/>
+              </a:ext>
+            </a:extLst>
+          </a:blip>
+          <a:srcRect l="6331" t="8170" r="6331" b="20840"/>
+          <a:stretch/>
+        </p:blipFill>
+        <p:spPr>
+          <a:xfrm>
+            <a:off x="5001465" y="4199531"/>
+            <a:ext cx="1095400" cy="1102018"/>
+          </a:xfrm>
+          <a:prstGeom prst="rect">
+            <a:avLst/>
+          </a:prstGeom>
+        </p:spPr>
+      </p:pic>
+      <p:pic>
+        <p:nvPicPr>
+          <p:cNvPr id="75" name="Picture 74">
+            <a:extLst>
+              <a:ext uri="{FF2B5EF4-FFF2-40B4-BE49-F238E27FC236}">
+                <a16:creationId xmlns:a16="http://schemas.microsoft.com/office/drawing/2014/main" id="{5D086307-75DA-3AA1-E438-3DFF1AFBDFE4}"/>
+              </a:ext>
+            </a:extLst>
+          </p:cNvPr>
+          <p:cNvPicPr>
+            <a:picLocks noChangeAspect="1"/>
+          </p:cNvPicPr>
+          <p:nvPr/>
+        </p:nvPicPr>
+        <p:blipFill>
+          <a:blip r:embed="rId27"/>
+          <a:srcRect/>
+          <a:stretch/>
+        </p:blipFill>
+        <p:spPr>
+          <a:xfrm>
+            <a:off x="5403515" y="3742018"/>
+            <a:ext cx="868281" cy="211358"/>
+          </a:xfrm>
+          <a:prstGeom prst="rect">
+            <a:avLst/>
+          </a:prstGeom>
+        </p:spPr>
+      </p:pic>
+      <p:sp>
+        <p:nvSpPr>
+          <p:cNvPr id="156" name="Oval 155">
+            <a:extLst>
+              <a:ext uri="{FF2B5EF4-FFF2-40B4-BE49-F238E27FC236}">
+                <a16:creationId xmlns:a16="http://schemas.microsoft.com/office/drawing/2014/main" id="{813A7B6E-CC64-A60D-2E82-CBAFD6C599D3}"/>
+              </a:ext>
+            </a:extLst>
+          </p:cNvPr>
+          <p:cNvSpPr/>
+          <p:nvPr/>
+        </p:nvSpPr>
+        <p:spPr>
+          <a:xfrm rot="10800000" flipV="1">
+            <a:off x="5965824" y="4997450"/>
+            <a:ext cx="76199" cy="79375"/>
+          </a:xfrm>
+          <a:prstGeom prst="ellipse">
+            <a:avLst/>
+          </a:prstGeom>
+          <a:solidFill>
+            <a:srgbClr val="C00000"/>
+          </a:solidFill>
+          <a:ln>
+            <a:noFill/>
+          </a:ln>
+        </p:spPr>
+        <p:style>
+          <a:lnRef idx="2">
+            <a:schemeClr val="accent1">
+              <a:shade val="15000"/>
+            </a:schemeClr>
+          </a:lnRef>
+          <a:fillRef idx="1">
+            <a:schemeClr val="accent1"/>
+          </a:fillRef>
+          <a:effectRef idx="0">
+            <a:schemeClr val="accent1"/>
+          </a:effectRef>
+          <a:fontRef idx="minor">
+            <a:schemeClr val="lt1"/>
+          </a:fontRef>
+        </p:style>
+        <p:txBody>
+          <a:bodyPr rtlCol="0" anchor="ctr"/>
+          <a:lstStyle/>
+          <a:p>
+            <a:pPr algn="ctr"/>
+            <a:endParaRPr lang="en-US"/>
+          </a:p>
+        </p:txBody>
+      </p:sp>
+      <p:sp>
+        <p:nvSpPr>
+          <p:cNvPr id="168" name="Oval 167">
+            <a:extLst>
+              <a:ext uri="{FF2B5EF4-FFF2-40B4-BE49-F238E27FC236}">
+                <a16:creationId xmlns:a16="http://schemas.microsoft.com/office/drawing/2014/main" id="{681B2F9E-1207-651B-5E4E-3B75A1C27CB1}"/>
+              </a:ext>
+            </a:extLst>
+          </p:cNvPr>
+          <p:cNvSpPr/>
+          <p:nvPr/>
+        </p:nvSpPr>
+        <p:spPr>
+          <a:xfrm rot="10800000" flipV="1">
+            <a:off x="5242016" y="4267477"/>
+            <a:ext cx="76199" cy="79375"/>
+          </a:xfrm>
+          <a:prstGeom prst="ellipse">
+            <a:avLst/>
+          </a:prstGeom>
+          <a:solidFill>
+            <a:srgbClr val="92D050"/>
+          </a:solidFill>
+          <a:ln>
+            <a:noFill/>
+          </a:ln>
+        </p:spPr>
+        <p:style>
+          <a:lnRef idx="2">
+            <a:schemeClr val="accent1">
+              <a:shade val="15000"/>
+            </a:schemeClr>
+          </a:lnRef>
+          <a:fillRef idx="1">
+            <a:schemeClr val="accent1"/>
+          </a:fillRef>
+          <a:effectRef idx="0">
+            <a:schemeClr val="accent1"/>
+          </a:effectRef>
+          <a:fontRef idx="minor">
+            <a:schemeClr val="lt1"/>
+          </a:fontRef>
+        </p:style>
+        <p:txBody>
+          <a:bodyPr rtlCol="0" anchor="ctr"/>
+          <a:lstStyle/>
+          <a:p>
+            <a:pPr algn="ctr"/>
+            <a:endParaRPr lang="en-US"/>
+          </a:p>
+        </p:txBody>
+      </p:sp>
+      <p:grpSp>
+        <p:nvGrpSpPr>
+          <p:cNvPr id="170" name="Group 169">
+            <a:extLst>
+              <a:ext uri="{FF2B5EF4-FFF2-40B4-BE49-F238E27FC236}">
+                <a16:creationId xmlns:a16="http://schemas.microsoft.com/office/drawing/2014/main" id="{73BC0A23-C915-7644-4AE9-7C1F37A8F338}"/>
+              </a:ext>
+            </a:extLst>
+          </p:cNvPr>
+          <p:cNvGrpSpPr/>
+          <p:nvPr/>
+        </p:nvGrpSpPr>
+        <p:grpSpPr>
+          <a:xfrm>
+            <a:off x="4008918" y="932088"/>
+            <a:ext cx="2466096" cy="1089862"/>
+            <a:chOff x="1652299" y="4818262"/>
+            <a:chExt cx="2985506" cy="1319409"/>
+          </a:xfrm>
+          <a:solidFill>
+            <a:srgbClr val="D0EED5"/>
+          </a:solidFill>
+        </p:grpSpPr>
+        <p:sp>
+          <p:nvSpPr>
+            <p:cNvPr id="171" name="Rounded Rectangle 170">
+              <a:extLst>
+                <a:ext uri="{FF2B5EF4-FFF2-40B4-BE49-F238E27FC236}">
+                  <a16:creationId xmlns:a16="http://schemas.microsoft.com/office/drawing/2014/main" id="{EC8B40C0-0927-9040-9949-89ED01A39C24}"/>
+                </a:ext>
+              </a:extLst>
+            </p:cNvPr>
+            <p:cNvSpPr/>
+            <p:nvPr/>
+          </p:nvSpPr>
+          <p:spPr>
+            <a:xfrm>
+              <a:off x="1652299" y="4818262"/>
+              <a:ext cx="2985506" cy="1319409"/>
+            </a:xfrm>
+            <a:prstGeom prst="roundRect">
+              <a:avLst/>
+            </a:prstGeom>
+            <a:grpFill/>
+          </p:spPr>
+          <p:style>
+            <a:lnRef idx="2">
+              <a:schemeClr val="accent1">
+                <a:shade val="15000"/>
+              </a:schemeClr>
+            </a:lnRef>
+            <a:fillRef idx="1">
+              <a:schemeClr val="accent1"/>
+            </a:fillRef>
+            <a:effectRef idx="0">
+              <a:schemeClr val="accent1"/>
+            </a:effectRef>
+            <a:fontRef idx="minor">
+              <a:schemeClr val="lt1"/>
+            </a:fontRef>
+          </p:style>
+          <p:txBody>
+            <a:bodyPr rtlCol="0" anchor="ctr"/>
+            <a:lstStyle/>
+            <a:p>
+              <a:pPr algn="ctr"/>
+              <a:endParaRPr lang="en-US" dirty="0"/>
+            </a:p>
+          </p:txBody>
+        </p:sp>
+        <p:pic>
+          <p:nvPicPr>
+            <p:cNvPr id="172" name="Picture 171">
+              <a:extLst>
+                <a:ext uri="{FF2B5EF4-FFF2-40B4-BE49-F238E27FC236}">
+                  <a16:creationId xmlns:a16="http://schemas.microsoft.com/office/drawing/2014/main" id="{052A0ACA-C275-C0C7-2DC1-90352879CCB6}"/>
+                </a:ext>
+              </a:extLst>
+            </p:cNvPr>
+            <p:cNvPicPr>
+              <a:picLocks noChangeAspect="1"/>
+            </p:cNvPicPr>
+            <p:nvPr/>
+          </p:nvPicPr>
+          <p:blipFill>
+            <a:blip r:embed="rId28"/>
+            <a:stretch>
+              <a:fillRect/>
+            </a:stretch>
+          </p:blipFill>
+          <p:spPr>
+            <a:xfrm>
+              <a:off x="2423862" y="5301273"/>
+              <a:ext cx="1374898" cy="683994"/>
+            </a:xfrm>
+            <a:prstGeom prst="rect">
+              <a:avLst/>
+            </a:prstGeom>
+            <a:grpFill/>
+          </p:spPr>
+        </p:pic>
+        <p:pic>
+          <p:nvPicPr>
+            <p:cNvPr id="173" name="Picture 172">
+              <a:extLst>
+                <a:ext uri="{FF2B5EF4-FFF2-40B4-BE49-F238E27FC236}">
+                  <a16:creationId xmlns:a16="http://schemas.microsoft.com/office/drawing/2014/main" id="{969CA33A-E5F5-1003-753F-D802B805393D}"/>
+                </a:ext>
+              </a:extLst>
+            </p:cNvPr>
+            <p:cNvPicPr>
+              <a:picLocks noChangeAspect="1"/>
+            </p:cNvPicPr>
+            <p:nvPr/>
+          </p:nvPicPr>
+          <p:blipFill>
+            <a:blip r:embed="rId29"/>
+            <a:stretch>
+              <a:fillRect/>
+            </a:stretch>
+          </p:blipFill>
+          <p:spPr>
+            <a:xfrm>
+              <a:off x="2020416" y="5003553"/>
+              <a:ext cx="2250236" cy="190794"/>
+            </a:xfrm>
+            <a:prstGeom prst="rect">
+              <a:avLst/>
+            </a:prstGeom>
+            <a:grpFill/>
+          </p:spPr>
+        </p:pic>
+      </p:grpSp>
+      <p:sp>
+        <p:nvSpPr>
+          <p:cNvPr id="193" name="TextBox 192">
+            <a:extLst>
+              <a:ext uri="{FF2B5EF4-FFF2-40B4-BE49-F238E27FC236}">
+                <a16:creationId xmlns:a16="http://schemas.microsoft.com/office/drawing/2014/main" id="{4CED240C-0DC0-042B-EE9D-EC54560AA8F6}"/>
+              </a:ext>
+            </a:extLst>
+          </p:cNvPr>
+          <p:cNvSpPr txBox="1"/>
+          <p:nvPr/>
+        </p:nvSpPr>
+        <p:spPr>
+          <a:xfrm rot="617684">
+            <a:off x="953721" y="961120"/>
+            <a:ext cx="2730366" cy="2688854"/>
+          </a:xfrm>
+          <a:prstGeom prst="rect">
+            <a:avLst/>
+          </a:prstGeom>
+          <a:noFill/>
+        </p:spPr>
+        <p:txBody>
+          <a:bodyPr wrap="square" rtlCol="0">
+            <a:prstTxWarp prst="textArchUp">
+              <a:avLst>
+                <a:gd name="adj" fmla="val 11239541"/>
+              </a:avLst>
+            </a:prstTxWarp>
+            <a:spAutoFit/>
+          </a:bodyPr>
+          <a:lstStyle/>
+          <a:p>
+            <a:r>
+              <a:rPr lang="en-US" sz="1600" b="1" dirty="0">
+                <a:latin typeface="Baskerville" panose="02020502070401020303" pitchFamily="18" charset="0"/>
+                <a:ea typeface="Baskerville" panose="02020502070401020303" pitchFamily="18" charset="0"/>
+              </a:rPr>
+              <a:t>State preparation</a:t>
+            </a:r>
+          </a:p>
+        </p:txBody>
+      </p:sp>
+      <p:sp>
+        <p:nvSpPr>
+          <p:cNvPr id="194" name="TextBox 193">
+            <a:extLst>
+              <a:ext uri="{FF2B5EF4-FFF2-40B4-BE49-F238E27FC236}">
+                <a16:creationId xmlns:a16="http://schemas.microsoft.com/office/drawing/2014/main" id="{A1422435-EC8C-9897-0BA5-B42B70540866}"/>
+              </a:ext>
+            </a:extLst>
+          </p:cNvPr>
+          <p:cNvSpPr txBox="1"/>
+          <p:nvPr/>
+        </p:nvSpPr>
+        <p:spPr>
+          <a:xfrm rot="16005931">
+            <a:off x="8690733" y="3267628"/>
+            <a:ext cx="2884195" cy="2555901"/>
+          </a:xfrm>
+          <a:prstGeom prst="rect">
+            <a:avLst/>
+          </a:prstGeom>
+          <a:noFill/>
+        </p:spPr>
+        <p:txBody>
+          <a:bodyPr wrap="square" rtlCol="0">
+            <a:prstTxWarp prst="textArchDown">
+              <a:avLst>
+                <a:gd name="adj" fmla="val 676808"/>
+              </a:avLst>
+            </a:prstTxWarp>
+            <a:spAutoFit/>
+          </a:bodyPr>
+          <a:lstStyle/>
+          <a:p>
+            <a:r>
+              <a:rPr lang="en-US" sz="1600" b="1" dirty="0">
+                <a:latin typeface="Baskerville" panose="02020502070401020303" pitchFamily="18" charset="0"/>
+                <a:ea typeface="Baskerville" panose="02020502070401020303" pitchFamily="18" charset="0"/>
+              </a:rPr>
+              <a:t>Decoding</a:t>
+            </a:r>
+          </a:p>
+        </p:txBody>
+      </p:sp>
+    </p:spTree>
+    <p:extLst>
+      <p:ext uri="{BB962C8B-B14F-4D97-AF65-F5344CB8AC3E}">
+        <p14:creationId xmlns:p14="http://schemas.microsoft.com/office/powerpoint/2010/main" val="3859129556"/>
+      </p:ext>
+    </p:extLst>
+  </p:cSld>
+  <p:clrMapOvr>
+    <a:masterClrMapping/>
+  </p:clrMapOvr>
+</p:sld>
+</file>
+
+<file path=ppt/slides/slide3.xml><?xml version="1.0" encoding="utf-8"?>
+<p:sld xmlns:a="http://schemas.openxmlformats.org/drawingml/2006/main" xmlns:r="http://schemas.openxmlformats.org/officeDocument/2006/relationships" xmlns:p="http://schemas.openxmlformats.org/presentationml/2006/main">
+  <p:cSld>
+    <p:spTree>
+      <p:nvGrpSpPr>
+        <p:cNvPr id="1" name=""/>
+        <p:cNvGrpSpPr/>
+        <p:nvPr/>
+      </p:nvGrpSpPr>
+      <p:grpSpPr>
+        <a:xfrm>
+          <a:off x="0" y="0"/>
+          <a:ext cx="0" cy="0"/>
+          <a:chOff x="0" y="0"/>
+          <a:chExt cx="0" cy="0"/>
+        </a:xfrm>
+      </p:grpSpPr>
       <p:cxnSp>
         <p:nvCxnSpPr>
           <p:cNvPr id="10" name="Straight Connector 9">
@@ -6581,7 +9591,7 @@
                   <a:lumOff val="75000"/>
                 </a:schemeClr>
               </a:gs>
-              <a:gs pos="65000">
+              <a:gs pos="33000">
                 <a:schemeClr val="tx2">
                   <a:lumMod val="10000"/>
                   <a:lumOff val="90000"/>
@@ -8053,6 +11063,750 @@
           </a:prstGeom>
         </p:spPr>
       </p:pic>
+      <p:sp>
+        <p:nvSpPr>
+          <p:cNvPr id="3" name="Oval 2">
+            <a:extLst>
+              <a:ext uri="{FF2B5EF4-FFF2-40B4-BE49-F238E27FC236}">
+                <a16:creationId xmlns:a16="http://schemas.microsoft.com/office/drawing/2014/main" id="{D6820BD7-D6D5-168C-1D5C-8C341B0AAFDB}"/>
+              </a:ext>
+            </a:extLst>
+          </p:cNvPr>
+          <p:cNvSpPr/>
+          <p:nvPr/>
+        </p:nvSpPr>
+        <p:spPr>
+          <a:xfrm>
+            <a:off x="3840480" y="2199132"/>
+            <a:ext cx="205740" cy="205740"/>
+          </a:xfrm>
+          <a:prstGeom prst="ellipse">
+            <a:avLst/>
+          </a:prstGeom>
+          <a:solidFill>
+            <a:schemeClr val="accent3">
+              <a:lumMod val="40000"/>
+              <a:lumOff val="60000"/>
+            </a:schemeClr>
+          </a:solidFill>
+        </p:spPr>
+        <p:style>
+          <a:lnRef idx="2">
+            <a:schemeClr val="accent1">
+              <a:shade val="15000"/>
+            </a:schemeClr>
+          </a:lnRef>
+          <a:fillRef idx="1">
+            <a:schemeClr val="accent1"/>
+          </a:fillRef>
+          <a:effectRef idx="0">
+            <a:schemeClr val="accent1"/>
+          </a:effectRef>
+          <a:fontRef idx="minor">
+            <a:schemeClr val="lt1"/>
+          </a:fontRef>
+        </p:style>
+        <p:txBody>
+          <a:bodyPr rtlCol="0" anchor="ctr"/>
+          <a:lstStyle/>
+          <a:p>
+            <a:pPr algn="ctr"/>
+            <a:endParaRPr lang="en-US"/>
+          </a:p>
+        </p:txBody>
+      </p:sp>
+      <p:sp>
+        <p:nvSpPr>
+          <p:cNvPr id="4" name="Oval 3">
+            <a:extLst>
+              <a:ext uri="{FF2B5EF4-FFF2-40B4-BE49-F238E27FC236}">
+                <a16:creationId xmlns:a16="http://schemas.microsoft.com/office/drawing/2014/main" id="{DAC7156B-72D5-C847-33FE-280D423D9D2B}"/>
+              </a:ext>
+            </a:extLst>
+          </p:cNvPr>
+          <p:cNvSpPr/>
+          <p:nvPr/>
+        </p:nvSpPr>
+        <p:spPr>
+          <a:xfrm>
+            <a:off x="4190238" y="2199132"/>
+            <a:ext cx="205740" cy="205740"/>
+          </a:xfrm>
+          <a:prstGeom prst="ellipse">
+            <a:avLst/>
+          </a:prstGeom>
+          <a:solidFill>
+            <a:schemeClr val="accent3">
+              <a:lumMod val="40000"/>
+              <a:lumOff val="60000"/>
+            </a:schemeClr>
+          </a:solidFill>
+        </p:spPr>
+        <p:style>
+          <a:lnRef idx="2">
+            <a:schemeClr val="accent1">
+              <a:shade val="15000"/>
+            </a:schemeClr>
+          </a:lnRef>
+          <a:fillRef idx="1">
+            <a:schemeClr val="accent1"/>
+          </a:fillRef>
+          <a:effectRef idx="0">
+            <a:schemeClr val="accent1"/>
+          </a:effectRef>
+          <a:fontRef idx="minor">
+            <a:schemeClr val="lt1"/>
+          </a:fontRef>
+        </p:style>
+        <p:txBody>
+          <a:bodyPr rtlCol="0" anchor="ctr"/>
+          <a:lstStyle/>
+          <a:p>
+            <a:pPr algn="ctr"/>
+            <a:endParaRPr lang="en-US"/>
+          </a:p>
+        </p:txBody>
+      </p:sp>
+      <p:sp>
+        <p:nvSpPr>
+          <p:cNvPr id="5" name="Oval 4">
+            <a:extLst>
+              <a:ext uri="{FF2B5EF4-FFF2-40B4-BE49-F238E27FC236}">
+                <a16:creationId xmlns:a16="http://schemas.microsoft.com/office/drawing/2014/main" id="{49FDD910-E998-E520-46FE-3E8DDA5BEF6A}"/>
+              </a:ext>
+            </a:extLst>
+          </p:cNvPr>
+          <p:cNvSpPr/>
+          <p:nvPr/>
+        </p:nvSpPr>
+        <p:spPr>
+          <a:xfrm>
+            <a:off x="4539996" y="2199132"/>
+            <a:ext cx="205740" cy="205740"/>
+          </a:xfrm>
+          <a:prstGeom prst="ellipse">
+            <a:avLst/>
+          </a:prstGeom>
+          <a:solidFill>
+            <a:schemeClr val="accent3">
+              <a:lumMod val="40000"/>
+              <a:lumOff val="60000"/>
+            </a:schemeClr>
+          </a:solidFill>
+        </p:spPr>
+        <p:style>
+          <a:lnRef idx="2">
+            <a:schemeClr val="accent1">
+              <a:shade val="15000"/>
+            </a:schemeClr>
+          </a:lnRef>
+          <a:fillRef idx="1">
+            <a:schemeClr val="accent1"/>
+          </a:fillRef>
+          <a:effectRef idx="0">
+            <a:schemeClr val="accent1"/>
+          </a:effectRef>
+          <a:fontRef idx="minor">
+            <a:schemeClr val="lt1"/>
+          </a:fontRef>
+        </p:style>
+        <p:txBody>
+          <a:bodyPr rtlCol="0" anchor="ctr"/>
+          <a:lstStyle/>
+          <a:p>
+            <a:pPr algn="ctr"/>
+            <a:endParaRPr lang="en-US"/>
+          </a:p>
+        </p:txBody>
+      </p:sp>
+      <p:sp>
+        <p:nvSpPr>
+          <p:cNvPr id="6" name="Oval 5">
+            <a:extLst>
+              <a:ext uri="{FF2B5EF4-FFF2-40B4-BE49-F238E27FC236}">
+                <a16:creationId xmlns:a16="http://schemas.microsoft.com/office/drawing/2014/main" id="{2873CCE9-6CD2-EDA6-4E4B-EB238F813F1F}"/>
+              </a:ext>
+            </a:extLst>
+          </p:cNvPr>
+          <p:cNvSpPr/>
+          <p:nvPr/>
+        </p:nvSpPr>
+        <p:spPr>
+          <a:xfrm>
+            <a:off x="4894199" y="2199132"/>
+            <a:ext cx="205740" cy="205740"/>
+          </a:xfrm>
+          <a:prstGeom prst="ellipse">
+            <a:avLst/>
+          </a:prstGeom>
+          <a:solidFill>
+            <a:schemeClr val="accent3">
+              <a:lumMod val="40000"/>
+              <a:lumOff val="60000"/>
+            </a:schemeClr>
+          </a:solidFill>
+        </p:spPr>
+        <p:style>
+          <a:lnRef idx="2">
+            <a:schemeClr val="accent1">
+              <a:shade val="15000"/>
+            </a:schemeClr>
+          </a:lnRef>
+          <a:fillRef idx="1">
+            <a:schemeClr val="accent1"/>
+          </a:fillRef>
+          <a:effectRef idx="0">
+            <a:schemeClr val="accent1"/>
+          </a:effectRef>
+          <a:fontRef idx="minor">
+            <a:schemeClr val="lt1"/>
+          </a:fontRef>
+        </p:style>
+        <p:txBody>
+          <a:bodyPr rtlCol="0" anchor="ctr"/>
+          <a:lstStyle/>
+          <a:p>
+            <a:pPr algn="ctr"/>
+            <a:endParaRPr lang="en-US"/>
+          </a:p>
+        </p:txBody>
+      </p:sp>
+      <p:sp>
+        <p:nvSpPr>
+          <p:cNvPr id="48" name="Oval 47">
+            <a:extLst>
+              <a:ext uri="{FF2B5EF4-FFF2-40B4-BE49-F238E27FC236}">
+                <a16:creationId xmlns:a16="http://schemas.microsoft.com/office/drawing/2014/main" id="{F82BAD33-F188-DB71-0274-E10119B095D3}"/>
+              </a:ext>
+            </a:extLst>
+          </p:cNvPr>
+          <p:cNvSpPr/>
+          <p:nvPr/>
+        </p:nvSpPr>
+        <p:spPr>
+          <a:xfrm>
+            <a:off x="5243957" y="2199132"/>
+            <a:ext cx="205740" cy="205740"/>
+          </a:xfrm>
+          <a:prstGeom prst="ellipse">
+            <a:avLst/>
+          </a:prstGeom>
+          <a:solidFill>
+            <a:schemeClr val="accent3">
+              <a:lumMod val="40000"/>
+              <a:lumOff val="60000"/>
+            </a:schemeClr>
+          </a:solidFill>
+        </p:spPr>
+        <p:style>
+          <a:lnRef idx="2">
+            <a:schemeClr val="accent1">
+              <a:shade val="15000"/>
+            </a:schemeClr>
+          </a:lnRef>
+          <a:fillRef idx="1">
+            <a:schemeClr val="accent1"/>
+          </a:fillRef>
+          <a:effectRef idx="0">
+            <a:schemeClr val="accent1"/>
+          </a:effectRef>
+          <a:fontRef idx="minor">
+            <a:schemeClr val="lt1"/>
+          </a:fontRef>
+        </p:style>
+        <p:txBody>
+          <a:bodyPr rtlCol="0" anchor="ctr"/>
+          <a:lstStyle/>
+          <a:p>
+            <a:pPr algn="ctr"/>
+            <a:endParaRPr lang="en-US"/>
+          </a:p>
+        </p:txBody>
+      </p:sp>
+      <p:sp>
+        <p:nvSpPr>
+          <p:cNvPr id="49" name="Oval 48">
+            <a:extLst>
+              <a:ext uri="{FF2B5EF4-FFF2-40B4-BE49-F238E27FC236}">
+                <a16:creationId xmlns:a16="http://schemas.microsoft.com/office/drawing/2014/main" id="{8FD86DF2-4375-79A7-B64B-6B9512CC30E3}"/>
+              </a:ext>
+            </a:extLst>
+          </p:cNvPr>
+          <p:cNvSpPr/>
+          <p:nvPr/>
+        </p:nvSpPr>
+        <p:spPr>
+          <a:xfrm>
+            <a:off x="5593715" y="2199132"/>
+            <a:ext cx="205740" cy="205740"/>
+          </a:xfrm>
+          <a:prstGeom prst="ellipse">
+            <a:avLst/>
+          </a:prstGeom>
+          <a:solidFill>
+            <a:schemeClr val="accent3">
+              <a:lumMod val="40000"/>
+              <a:lumOff val="60000"/>
+            </a:schemeClr>
+          </a:solidFill>
+        </p:spPr>
+        <p:style>
+          <a:lnRef idx="2">
+            <a:schemeClr val="accent1">
+              <a:shade val="15000"/>
+            </a:schemeClr>
+          </a:lnRef>
+          <a:fillRef idx="1">
+            <a:schemeClr val="accent1"/>
+          </a:fillRef>
+          <a:effectRef idx="0">
+            <a:schemeClr val="accent1"/>
+          </a:effectRef>
+          <a:fontRef idx="minor">
+            <a:schemeClr val="lt1"/>
+          </a:fontRef>
+        </p:style>
+        <p:txBody>
+          <a:bodyPr rtlCol="0" anchor="ctr"/>
+          <a:lstStyle/>
+          <a:p>
+            <a:pPr algn="ctr"/>
+            <a:endParaRPr lang="en-US"/>
+          </a:p>
+        </p:txBody>
+      </p:sp>
+      <p:cxnSp>
+        <p:nvCxnSpPr>
+          <p:cNvPr id="51" name="Straight Connector 50">
+            <a:extLst>
+              <a:ext uri="{FF2B5EF4-FFF2-40B4-BE49-F238E27FC236}">
+                <a16:creationId xmlns:a16="http://schemas.microsoft.com/office/drawing/2014/main" id="{40178809-5350-CCBB-002E-B1519C79E1CB}"/>
+              </a:ext>
+            </a:extLst>
+          </p:cNvPr>
+          <p:cNvCxnSpPr>
+            <a:stCxn id="3" idx="6"/>
+            <a:endCxn id="4" idx="2"/>
+          </p:cNvCxnSpPr>
+          <p:nvPr/>
+        </p:nvCxnSpPr>
+        <p:spPr>
+          <a:xfrm>
+            <a:off x="4046220" y="2302002"/>
+            <a:ext cx="144018" cy="0"/>
+          </a:xfrm>
+          <a:prstGeom prst="line">
+            <a:avLst/>
+          </a:prstGeom>
+          <a:ln>
+            <a:solidFill>
+              <a:schemeClr val="tx1"/>
+            </a:solidFill>
+          </a:ln>
+        </p:spPr>
+        <p:style>
+          <a:lnRef idx="2">
+            <a:schemeClr val="accent1"/>
+          </a:lnRef>
+          <a:fillRef idx="0">
+            <a:schemeClr val="accent1"/>
+          </a:fillRef>
+          <a:effectRef idx="1">
+            <a:schemeClr val="accent1"/>
+          </a:effectRef>
+          <a:fontRef idx="minor">
+            <a:schemeClr val="tx1"/>
+          </a:fontRef>
+        </p:style>
+      </p:cxnSp>
+      <p:cxnSp>
+        <p:nvCxnSpPr>
+          <p:cNvPr id="52" name="Straight Connector 51">
+            <a:extLst>
+              <a:ext uri="{FF2B5EF4-FFF2-40B4-BE49-F238E27FC236}">
+                <a16:creationId xmlns:a16="http://schemas.microsoft.com/office/drawing/2014/main" id="{4EEC9819-9057-B84E-67F6-D536C644DC2A}"/>
+              </a:ext>
+            </a:extLst>
+          </p:cNvPr>
+          <p:cNvCxnSpPr>
+            <a:cxnSpLocks/>
+            <a:stCxn id="4" idx="6"/>
+            <a:endCxn id="5" idx="2"/>
+          </p:cNvCxnSpPr>
+          <p:nvPr/>
+        </p:nvCxnSpPr>
+        <p:spPr>
+          <a:xfrm>
+            <a:off x="4395978" y="2302002"/>
+            <a:ext cx="144018" cy="0"/>
+          </a:xfrm>
+          <a:prstGeom prst="line">
+            <a:avLst/>
+          </a:prstGeom>
+          <a:ln>
+            <a:solidFill>
+              <a:schemeClr val="tx1"/>
+            </a:solidFill>
+          </a:ln>
+        </p:spPr>
+        <p:style>
+          <a:lnRef idx="2">
+            <a:schemeClr val="accent1"/>
+          </a:lnRef>
+          <a:fillRef idx="0">
+            <a:schemeClr val="accent1"/>
+          </a:fillRef>
+          <a:effectRef idx="1">
+            <a:schemeClr val="accent1"/>
+          </a:effectRef>
+          <a:fontRef idx="minor">
+            <a:schemeClr val="tx1"/>
+          </a:fontRef>
+        </p:style>
+      </p:cxnSp>
+      <p:cxnSp>
+        <p:nvCxnSpPr>
+          <p:cNvPr id="55" name="Straight Connector 54">
+            <a:extLst>
+              <a:ext uri="{FF2B5EF4-FFF2-40B4-BE49-F238E27FC236}">
+                <a16:creationId xmlns:a16="http://schemas.microsoft.com/office/drawing/2014/main" id="{EDD6DFCC-878E-CA9C-B769-6A51F4268A9A}"/>
+              </a:ext>
+            </a:extLst>
+          </p:cNvPr>
+          <p:cNvCxnSpPr>
+            <a:cxnSpLocks/>
+            <a:stCxn id="5" idx="6"/>
+            <a:endCxn id="6" idx="2"/>
+          </p:cNvCxnSpPr>
+          <p:nvPr/>
+        </p:nvCxnSpPr>
+        <p:spPr>
+          <a:xfrm>
+            <a:off x="4745736" y="2302002"/>
+            <a:ext cx="148463" cy="0"/>
+          </a:xfrm>
+          <a:prstGeom prst="line">
+            <a:avLst/>
+          </a:prstGeom>
+          <a:ln>
+            <a:solidFill>
+              <a:schemeClr val="tx1"/>
+            </a:solidFill>
+          </a:ln>
+        </p:spPr>
+        <p:style>
+          <a:lnRef idx="2">
+            <a:schemeClr val="accent1"/>
+          </a:lnRef>
+          <a:fillRef idx="0">
+            <a:schemeClr val="accent1"/>
+          </a:fillRef>
+          <a:effectRef idx="1">
+            <a:schemeClr val="accent1"/>
+          </a:effectRef>
+          <a:fontRef idx="minor">
+            <a:schemeClr val="tx1"/>
+          </a:fontRef>
+        </p:style>
+      </p:cxnSp>
+      <p:cxnSp>
+        <p:nvCxnSpPr>
+          <p:cNvPr id="58" name="Straight Connector 57">
+            <a:extLst>
+              <a:ext uri="{FF2B5EF4-FFF2-40B4-BE49-F238E27FC236}">
+                <a16:creationId xmlns:a16="http://schemas.microsoft.com/office/drawing/2014/main" id="{FA5297D6-380E-0BF3-F57B-498D04169883}"/>
+              </a:ext>
+            </a:extLst>
+          </p:cNvPr>
+          <p:cNvCxnSpPr>
+            <a:cxnSpLocks/>
+            <a:stCxn id="6" idx="6"/>
+            <a:endCxn id="48" idx="2"/>
+          </p:cNvCxnSpPr>
+          <p:nvPr/>
+        </p:nvCxnSpPr>
+        <p:spPr>
+          <a:xfrm>
+            <a:off x="5099939" y="2302002"/>
+            <a:ext cx="144018" cy="0"/>
+          </a:xfrm>
+          <a:prstGeom prst="line">
+            <a:avLst/>
+          </a:prstGeom>
+          <a:ln>
+            <a:solidFill>
+              <a:schemeClr val="tx1"/>
+            </a:solidFill>
+          </a:ln>
+        </p:spPr>
+        <p:style>
+          <a:lnRef idx="2">
+            <a:schemeClr val="accent1"/>
+          </a:lnRef>
+          <a:fillRef idx="0">
+            <a:schemeClr val="accent1"/>
+          </a:fillRef>
+          <a:effectRef idx="1">
+            <a:schemeClr val="accent1"/>
+          </a:effectRef>
+          <a:fontRef idx="minor">
+            <a:schemeClr val="tx1"/>
+          </a:fontRef>
+        </p:style>
+      </p:cxnSp>
+      <p:cxnSp>
+        <p:nvCxnSpPr>
+          <p:cNvPr id="61" name="Straight Connector 60">
+            <a:extLst>
+              <a:ext uri="{FF2B5EF4-FFF2-40B4-BE49-F238E27FC236}">
+                <a16:creationId xmlns:a16="http://schemas.microsoft.com/office/drawing/2014/main" id="{2D01D288-25D5-4AA9-3C1D-B84E5578F28A}"/>
+              </a:ext>
+            </a:extLst>
+          </p:cNvPr>
+          <p:cNvCxnSpPr>
+            <a:cxnSpLocks/>
+            <a:stCxn id="48" idx="6"/>
+            <a:endCxn id="49" idx="2"/>
+          </p:cNvCxnSpPr>
+          <p:nvPr/>
+        </p:nvCxnSpPr>
+        <p:spPr>
+          <a:xfrm>
+            <a:off x="5449697" y="2302002"/>
+            <a:ext cx="144018" cy="0"/>
+          </a:xfrm>
+          <a:prstGeom prst="line">
+            <a:avLst/>
+          </a:prstGeom>
+          <a:ln>
+            <a:solidFill>
+              <a:schemeClr val="tx1"/>
+            </a:solidFill>
+          </a:ln>
+        </p:spPr>
+        <p:style>
+          <a:lnRef idx="2">
+            <a:schemeClr val="accent1"/>
+          </a:lnRef>
+          <a:fillRef idx="0">
+            <a:schemeClr val="accent1"/>
+          </a:fillRef>
+          <a:effectRef idx="1">
+            <a:schemeClr val="accent1"/>
+          </a:effectRef>
+          <a:fontRef idx="minor">
+            <a:schemeClr val="tx1"/>
+          </a:fontRef>
+        </p:style>
+      </p:cxnSp>
+      <p:cxnSp>
+        <p:nvCxnSpPr>
+          <p:cNvPr id="64" name="Straight Connector 63">
+            <a:extLst>
+              <a:ext uri="{FF2B5EF4-FFF2-40B4-BE49-F238E27FC236}">
+                <a16:creationId xmlns:a16="http://schemas.microsoft.com/office/drawing/2014/main" id="{471B72A5-AAD8-FF47-9B89-B5180B80528D}"/>
+              </a:ext>
+            </a:extLst>
+          </p:cNvPr>
+          <p:cNvCxnSpPr>
+            <a:cxnSpLocks/>
+            <a:stCxn id="3" idx="0"/>
+          </p:cNvCxnSpPr>
+          <p:nvPr/>
+        </p:nvCxnSpPr>
+        <p:spPr>
+          <a:xfrm flipV="1">
+            <a:off x="3943350" y="1997612"/>
+            <a:ext cx="0" cy="201520"/>
+          </a:xfrm>
+          <a:prstGeom prst="line">
+            <a:avLst/>
+          </a:prstGeom>
+          <a:ln>
+            <a:solidFill>
+              <a:schemeClr val="tx1"/>
+            </a:solidFill>
+          </a:ln>
+        </p:spPr>
+        <p:style>
+          <a:lnRef idx="2">
+            <a:schemeClr val="accent1"/>
+          </a:lnRef>
+          <a:fillRef idx="0">
+            <a:schemeClr val="accent1"/>
+          </a:fillRef>
+          <a:effectRef idx="1">
+            <a:schemeClr val="accent1"/>
+          </a:effectRef>
+          <a:fontRef idx="minor">
+            <a:schemeClr val="tx1"/>
+          </a:fontRef>
+        </p:style>
+      </p:cxnSp>
+      <p:cxnSp>
+        <p:nvCxnSpPr>
+          <p:cNvPr id="71" name="Straight Connector 70">
+            <a:extLst>
+              <a:ext uri="{FF2B5EF4-FFF2-40B4-BE49-F238E27FC236}">
+                <a16:creationId xmlns:a16="http://schemas.microsoft.com/office/drawing/2014/main" id="{0C8C69F5-5243-6C23-417E-38320589BFB7}"/>
+              </a:ext>
+            </a:extLst>
+          </p:cNvPr>
+          <p:cNvCxnSpPr>
+            <a:cxnSpLocks/>
+            <a:stCxn id="49" idx="0"/>
+          </p:cNvCxnSpPr>
+          <p:nvPr/>
+        </p:nvCxnSpPr>
+        <p:spPr>
+          <a:xfrm flipH="1" flipV="1">
+            <a:off x="5693947" y="1997612"/>
+            <a:ext cx="2638" cy="201520"/>
+          </a:xfrm>
+          <a:prstGeom prst="line">
+            <a:avLst/>
+          </a:prstGeom>
+          <a:ln>
+            <a:solidFill>
+              <a:schemeClr val="tx1"/>
+            </a:solidFill>
+          </a:ln>
+        </p:spPr>
+        <p:style>
+          <a:lnRef idx="2">
+            <a:schemeClr val="accent1"/>
+          </a:lnRef>
+          <a:fillRef idx="0">
+            <a:schemeClr val="accent1"/>
+          </a:fillRef>
+          <a:effectRef idx="1">
+            <a:schemeClr val="accent1"/>
+          </a:effectRef>
+          <a:fontRef idx="minor">
+            <a:schemeClr val="tx1"/>
+          </a:fontRef>
+        </p:style>
+      </p:cxnSp>
+      <p:pic>
+        <p:nvPicPr>
+          <p:cNvPr id="81" name="Picture 80">
+            <a:extLst>
+              <a:ext uri="{FF2B5EF4-FFF2-40B4-BE49-F238E27FC236}">
+                <a16:creationId xmlns:a16="http://schemas.microsoft.com/office/drawing/2014/main" id="{54870922-C17A-67D5-8194-85EDA3D5922A}"/>
+              </a:ext>
+            </a:extLst>
+          </p:cNvPr>
+          <p:cNvPicPr>
+            <a:picLocks noChangeAspect="1"/>
+          </p:cNvPicPr>
+          <p:nvPr/>
+        </p:nvPicPr>
+        <p:blipFill>
+          <a:blip r:embed="rId13"/>
+          <a:stretch>
+            <a:fillRect/>
+          </a:stretch>
+        </p:blipFill>
+        <p:spPr>
+          <a:xfrm>
+            <a:off x="2561498" y="3500529"/>
+            <a:ext cx="2124620" cy="182584"/>
+          </a:xfrm>
+          <a:prstGeom prst="rect">
+            <a:avLst/>
+          </a:prstGeom>
+        </p:spPr>
+      </p:pic>
+      <p:pic>
+        <p:nvPicPr>
+          <p:cNvPr id="82" name="Picture 81">
+            <a:extLst>
+              <a:ext uri="{FF2B5EF4-FFF2-40B4-BE49-F238E27FC236}">
+                <a16:creationId xmlns:a16="http://schemas.microsoft.com/office/drawing/2014/main" id="{2ED5A020-ACF3-CFD8-5589-0AE6D39F3F1F}"/>
+              </a:ext>
+            </a:extLst>
+          </p:cNvPr>
+          <p:cNvPicPr>
+            <a:picLocks noChangeAspect="1"/>
+          </p:cNvPicPr>
+          <p:nvPr/>
+        </p:nvPicPr>
+        <p:blipFill>
+          <a:blip r:embed="rId14"/>
+          <a:stretch>
+            <a:fillRect/>
+          </a:stretch>
+        </p:blipFill>
+        <p:spPr>
+          <a:xfrm>
+            <a:off x="2254424" y="3683985"/>
+            <a:ext cx="2738768" cy="182584"/>
+          </a:xfrm>
+          <a:prstGeom prst="rect">
+            <a:avLst/>
+          </a:prstGeom>
+        </p:spPr>
+      </p:pic>
+      <p:pic>
+        <p:nvPicPr>
+          <p:cNvPr id="85" name="Picture 84">
+            <a:extLst>
+              <a:ext uri="{FF2B5EF4-FFF2-40B4-BE49-F238E27FC236}">
+                <a16:creationId xmlns:a16="http://schemas.microsoft.com/office/drawing/2014/main" id="{3BF35BAD-CE68-4DC4-0818-9F32BB95E4AB}"/>
+              </a:ext>
+            </a:extLst>
+          </p:cNvPr>
+          <p:cNvPicPr>
+            <a:picLocks noChangeAspect="1"/>
+          </p:cNvPicPr>
+          <p:nvPr/>
+        </p:nvPicPr>
+        <p:blipFill>
+          <a:blip r:embed="rId15"/>
+          <a:stretch>
+            <a:fillRect/>
+          </a:stretch>
+        </p:blipFill>
+        <p:spPr>
+          <a:xfrm>
+            <a:off x="2962841" y="4353700"/>
+            <a:ext cx="1254360" cy="149858"/>
+          </a:xfrm>
+          <a:prstGeom prst="rect">
+            <a:avLst/>
+          </a:prstGeom>
+        </p:spPr>
+      </p:pic>
+      <p:pic>
+        <p:nvPicPr>
+          <p:cNvPr id="86" name="Picture 85">
+            <a:extLst>
+              <a:ext uri="{FF2B5EF4-FFF2-40B4-BE49-F238E27FC236}">
+                <a16:creationId xmlns:a16="http://schemas.microsoft.com/office/drawing/2014/main" id="{759C0368-DE31-D275-F5C3-88CC5CA92E4A}"/>
+              </a:ext>
+            </a:extLst>
+          </p:cNvPr>
+          <p:cNvPicPr>
+            <a:picLocks noChangeAspect="1"/>
+          </p:cNvPicPr>
+          <p:nvPr/>
+        </p:nvPicPr>
+        <p:blipFill>
+          <a:blip r:embed="rId16"/>
+          <a:stretch>
+            <a:fillRect/>
+          </a:stretch>
+        </p:blipFill>
+        <p:spPr>
+          <a:xfrm>
+            <a:off x="2405989" y="4165583"/>
+            <a:ext cx="2368064" cy="188117"/>
+          </a:xfrm>
+          <a:prstGeom prst="rect">
+            <a:avLst/>
+          </a:prstGeom>
+        </p:spPr>
+      </p:pic>
     </p:spTree>
     <p:extLst>
       <p:ext uri="{BB962C8B-B14F-4D97-AF65-F5344CB8AC3E}">
@@ -8066,7 +11820,7 @@
 </p:sld>
 </file>
 
-<file path=ppt/slides/slide3.xml><?xml version="1.0" encoding="utf-8"?>
+<file path=ppt/slides/slide4.xml><?xml version="1.0" encoding="utf-8"?>
 <p:sld xmlns:a="http://schemas.openxmlformats.org/drawingml/2006/main" xmlns:r="http://schemas.openxmlformats.org/officeDocument/2006/relationships" xmlns:p="http://schemas.openxmlformats.org/presentationml/2006/main">
   <p:cSld>
     <p:spTree>
@@ -9280,7 +13034,7 @@
 </p:sld>
 </file>
 
-<file path=ppt/slides/slide4.xml><?xml version="1.0" encoding="utf-8"?>
+<file path=ppt/slides/slide5.xml><?xml version="1.0" encoding="utf-8"?>
 <p:sld xmlns:a="http://schemas.openxmlformats.org/drawingml/2006/main" xmlns:r="http://schemas.openxmlformats.org/officeDocument/2006/relationships" xmlns:p="http://schemas.openxmlformats.org/presentationml/2006/main">
   <p:cSld>
     <p:spTree>

--- a/Figures/HDQI_figs.pptx
+++ b/Figures/HDQI_figs.pptx
@@ -7868,41 +7868,6 @@
           </a:p>
         </p:txBody>
       </p:sp>
-      <p:pic>
-        <p:nvPicPr>
-          <p:cNvPr id="159" name="Graphic 158">
-            <a:extLst>
-              <a:ext uri="{FF2B5EF4-FFF2-40B4-BE49-F238E27FC236}">
-                <a16:creationId xmlns:a16="http://schemas.microsoft.com/office/drawing/2014/main" id="{D9463CC8-6305-EB9D-CE7B-5AF847767961}"/>
-              </a:ext>
-            </a:extLst>
-          </p:cNvPr>
-          <p:cNvPicPr>
-            <a:picLocks noChangeAspect="1"/>
-          </p:cNvPicPr>
-          <p:nvPr/>
-        </p:nvPicPr>
-        <p:blipFill>
-          <a:blip r:embed="rId3">
-            <a:extLst>
-              <a:ext uri="{96DAC541-7B7A-43D3-8B79-37D633B846F1}">
-                <asvg:svgBlip xmlns:asvg="http://schemas.microsoft.com/office/drawing/2016/SVG/main" r:embed="rId4"/>
-              </a:ext>
-            </a:extLst>
-          </a:blip>
-          <a:srcRect/>
-          <a:stretch/>
-        </p:blipFill>
-        <p:spPr>
-          <a:xfrm>
-            <a:off x="8705600" y="3282561"/>
-            <a:ext cx="2594310" cy="2594310"/>
-          </a:xfrm>
-          <a:prstGeom prst="rect">
-            <a:avLst/>
-          </a:prstGeom>
-        </p:spPr>
-      </p:pic>
       <p:cxnSp>
         <p:nvCxnSpPr>
           <p:cNvPr id="160" name="Straight Connector 159">
@@ -7919,8 +7884,8 @@
         </p:nvCxnSpPr>
         <p:spPr>
           <a:xfrm flipV="1">
-            <a:off x="6066549" y="3369730"/>
-            <a:ext cx="3474615" cy="1622652"/>
+            <a:off x="6066549" y="3382050"/>
+            <a:ext cx="3417278" cy="1599044"/>
           </a:xfrm>
           <a:prstGeom prst="line">
             <a:avLst/>
@@ -7963,8 +7928,8 @@
         </p:nvCxnSpPr>
         <p:spPr>
           <a:xfrm>
-            <a:off x="6066549" y="5101363"/>
-            <a:ext cx="3612996" cy="715261"/>
+            <a:off x="6066549" y="5090075"/>
+            <a:ext cx="3724068" cy="745364"/>
           </a:xfrm>
           <a:prstGeom prst="line">
             <a:avLst/>
@@ -8180,10 +8145,10 @@
             <p:nvPr/>
           </p:nvPicPr>
           <p:blipFill>
-            <a:blip r:embed="rId5">
+            <a:blip r:embed="rId3">
               <a:extLst>
                 <a:ext uri="{96DAC541-7B7A-43D3-8B79-37D633B846F1}">
-                  <asvg:svgBlip xmlns:asvg="http://schemas.microsoft.com/office/drawing/2016/SVG/main" r:embed="rId6"/>
+                  <asvg:svgBlip xmlns:asvg="http://schemas.microsoft.com/office/drawing/2016/SVG/main" r:embed="rId4"/>
                 </a:ext>
               </a:extLst>
             </a:blip>
@@ -8216,7 +8181,7 @@
             <p:nvPr/>
           </p:nvPicPr>
           <p:blipFill>
-            <a:blip r:embed="rId7"/>
+            <a:blip r:embed="rId5"/>
             <a:stretch>
               <a:fillRect/>
             </a:stretch>
@@ -8246,7 +8211,7 @@
             <p:nvPr/>
           </p:nvPicPr>
           <p:blipFill>
-            <a:blip r:embed="rId8"/>
+            <a:blip r:embed="rId6"/>
             <a:stretch>
               <a:fillRect/>
             </a:stretch>
@@ -8401,10 +8366,10 @@
             <p:nvPr/>
           </p:nvPicPr>
           <p:blipFill>
-            <a:blip r:embed="rId9">
+            <a:blip r:embed="rId7">
               <a:extLst>
                 <a:ext uri="{96DAC541-7B7A-43D3-8B79-37D633B846F1}">
-                  <asvg:svgBlip xmlns:asvg="http://schemas.microsoft.com/office/drawing/2016/SVG/main" r:embed="rId10"/>
+                  <asvg:svgBlip xmlns:asvg="http://schemas.microsoft.com/office/drawing/2016/SVG/main" r:embed="rId8"/>
                 </a:ext>
               </a:extLst>
             </a:blip>
@@ -8436,10 +8401,10 @@
             <p:nvPr/>
           </p:nvPicPr>
           <p:blipFill>
-            <a:blip r:embed="rId11">
+            <a:blip r:embed="rId9">
               <a:extLst>
                 <a:ext uri="{96DAC541-7B7A-43D3-8B79-37D633B846F1}">
-                  <asvg:svgBlip xmlns:asvg="http://schemas.microsoft.com/office/drawing/2016/SVG/main" r:embed="rId12"/>
+                  <asvg:svgBlip xmlns:asvg="http://schemas.microsoft.com/office/drawing/2016/SVG/main" r:embed="rId10"/>
                 </a:ext>
               </a:extLst>
             </a:blip>
@@ -8472,7 +8437,7 @@
           <p:nvPr/>
         </p:nvPicPr>
         <p:blipFill>
-          <a:blip r:embed="rId13"/>
+          <a:blip r:embed="rId11"/>
           <a:stretch>
             <a:fillRect/>
           </a:stretch>
@@ -8502,7 +8467,7 @@
           <p:nvPr/>
         </p:nvPicPr>
         <p:blipFill>
-          <a:blip r:embed="rId14"/>
+          <a:blip r:embed="rId12"/>
           <a:stretch>
             <a:fillRect/>
           </a:stretch>
@@ -8532,7 +8497,7 @@
           <p:nvPr/>
         </p:nvPicPr>
         <p:blipFill>
-          <a:blip r:embed="rId15"/>
+          <a:blip r:embed="rId13"/>
           <a:stretch>
             <a:fillRect/>
           </a:stretch>
@@ -8582,7 +8547,7 @@
             <p:nvPr/>
           </p:nvPicPr>
           <p:blipFill>
-            <a:blip r:embed="rId16"/>
+            <a:blip r:embed="rId14"/>
             <a:stretch>
               <a:fillRect/>
             </a:stretch>
@@ -8612,7 +8577,7 @@
             <p:nvPr/>
           </p:nvPicPr>
           <p:blipFill>
-            <a:blip r:embed="rId17"/>
+            <a:blip r:embed="rId15"/>
             <a:stretch>
               <a:fillRect/>
             </a:stretch>
@@ -8643,7 +8608,7 @@
           <p:nvPr/>
         </p:nvPicPr>
         <p:blipFill>
-          <a:blip r:embed="rId18"/>
+          <a:blip r:embed="rId16"/>
           <a:srcRect l="27303" t="1124" r="28942" b="16628"/>
           <a:stretch/>
         </p:blipFill>
@@ -8897,10 +8862,10 @@
           <p:nvPr/>
         </p:nvPicPr>
         <p:blipFill>
-          <a:blip r:embed="rId19">
+          <a:blip r:embed="rId17">
             <a:extLst>
               <a:ext uri="{96DAC541-7B7A-43D3-8B79-37D633B846F1}">
-                <asvg:svgBlip xmlns:asvg="http://schemas.microsoft.com/office/drawing/2016/SVG/main" r:embed="rId20"/>
+                <asvg:svgBlip xmlns:asvg="http://schemas.microsoft.com/office/drawing/2016/SVG/main" r:embed="rId18"/>
               </a:ext>
             </a:extLst>
           </a:blip>
@@ -8932,7 +8897,7 @@
           <p:nvPr/>
         </p:nvPicPr>
         <p:blipFill>
-          <a:blip r:embed="rId21"/>
+          <a:blip r:embed="rId19"/>
           <a:stretch>
             <a:fillRect/>
           </a:stretch>
@@ -8982,7 +8947,7 @@
             <p:nvPr/>
           </p:nvPicPr>
           <p:blipFill>
-            <a:blip r:embed="rId22"/>
+            <a:blip r:embed="rId20"/>
             <a:stretch>
               <a:fillRect/>
             </a:stretch>
@@ -9012,7 +8977,7 @@
             <p:nvPr/>
           </p:nvPicPr>
           <p:blipFill>
-            <a:blip r:embed="rId23"/>
+            <a:blip r:embed="rId21"/>
             <a:stretch>
               <a:fillRect/>
             </a:stretch>
@@ -9043,7 +9008,7 @@
           <p:nvPr/>
         </p:nvPicPr>
         <p:blipFill>
-          <a:blip r:embed="rId24"/>
+          <a:blip r:embed="rId22"/>
           <a:stretch>
             <a:fillRect/>
           </a:stretch>
@@ -9073,10 +9038,10 @@
           <p:nvPr/>
         </p:nvPicPr>
         <p:blipFill>
-          <a:blip r:embed="rId25">
+          <a:blip r:embed="rId23">
             <a:extLst>
               <a:ext uri="{96DAC541-7B7A-43D3-8B79-37D633B846F1}">
-                <asvg:svgBlip xmlns:asvg="http://schemas.microsoft.com/office/drawing/2016/SVG/main" r:embed="rId26"/>
+                <asvg:svgBlip xmlns:asvg="http://schemas.microsoft.com/office/drawing/2016/SVG/main" r:embed="rId24"/>
               </a:ext>
             </a:extLst>
           </a:blip>
@@ -9108,7 +9073,7 @@
           <p:nvPr/>
         </p:nvPicPr>
         <p:blipFill>
-          <a:blip r:embed="rId27"/>
+          <a:blip r:embed="rId25"/>
           <a:srcRect/>
           <a:stretch/>
         </p:blipFill>
@@ -9311,7 +9276,7 @@
             <p:nvPr/>
           </p:nvPicPr>
           <p:blipFill>
-            <a:blip r:embed="rId28"/>
+            <a:blip r:embed="rId26"/>
             <a:stretch>
               <a:fillRect/>
             </a:stretch>
@@ -9342,7 +9307,7 @@
             <p:nvPr/>
           </p:nvPicPr>
           <p:blipFill>
-            <a:blip r:embed="rId29"/>
+            <a:blip r:embed="rId27"/>
             <a:stretch>
               <a:fillRect/>
             </a:stretch>
@@ -9402,49 +9367,105 @@
           </a:p>
         </p:txBody>
       </p:sp>
-      <p:sp>
-        <p:nvSpPr>
-          <p:cNvPr id="194" name="TextBox 193">
-            <a:extLst>
-              <a:ext uri="{FF2B5EF4-FFF2-40B4-BE49-F238E27FC236}">
-                <a16:creationId xmlns:a16="http://schemas.microsoft.com/office/drawing/2014/main" id="{A1422435-EC8C-9897-0BA5-B42B70540866}"/>
-              </a:ext>
-            </a:extLst>
-          </p:cNvPr>
-          <p:cNvSpPr txBox="1"/>
-          <p:nvPr/>
-        </p:nvSpPr>
-        <p:spPr>
-          <a:xfrm rot="16005931">
-            <a:off x="8690733" y="3267628"/>
-            <a:ext cx="2884195" cy="2555901"/>
-          </a:xfrm>
-          <a:prstGeom prst="rect">
-            <a:avLst/>
-          </a:prstGeom>
-          <a:noFill/>
-        </p:spPr>
-        <p:txBody>
-          <a:bodyPr wrap="square" rtlCol="0">
-            <a:prstTxWarp prst="textArchDown">
-              <a:avLst>
-                <a:gd name="adj" fmla="val 676808"/>
-              </a:avLst>
-            </a:prstTxWarp>
-            <a:spAutoFit/>
-          </a:bodyPr>
-          <a:lstStyle/>
-          <a:p>
-            <a:r>
-              <a:rPr lang="en-US" sz="1600" b="1" dirty="0">
-                <a:latin typeface="Baskerville" panose="02020502070401020303" pitchFamily="18" charset="0"/>
-                <a:ea typeface="Baskerville" panose="02020502070401020303" pitchFamily="18" charset="0"/>
-              </a:rPr>
-              <a:t>Decoding</a:t>
-            </a:r>
-          </a:p>
-        </p:txBody>
-      </p:sp>
+      <p:grpSp>
+        <p:nvGrpSpPr>
+          <p:cNvPr id="203" name="Group 202">
+            <a:extLst>
+              <a:ext uri="{FF2B5EF4-FFF2-40B4-BE49-F238E27FC236}">
+                <a16:creationId xmlns:a16="http://schemas.microsoft.com/office/drawing/2014/main" id="{CAD6E12D-BFE8-72AA-54B8-F1B6EDE23649}"/>
+              </a:ext>
+            </a:extLst>
+          </p:cNvPr>
+          <p:cNvGrpSpPr/>
+          <p:nvPr/>
+        </p:nvGrpSpPr>
+        <p:grpSpPr>
+          <a:xfrm>
+            <a:off x="8705600" y="3092193"/>
+            <a:ext cx="2705181" cy="2884195"/>
+            <a:chOff x="8705600" y="3103481"/>
+            <a:chExt cx="2705181" cy="2884195"/>
+          </a:xfrm>
+        </p:grpSpPr>
+        <p:pic>
+          <p:nvPicPr>
+            <p:cNvPr id="159" name="Graphic 158">
+              <a:extLst>
+                <a:ext uri="{FF2B5EF4-FFF2-40B4-BE49-F238E27FC236}">
+                  <a16:creationId xmlns:a16="http://schemas.microsoft.com/office/drawing/2014/main" id="{D9463CC8-6305-EB9D-CE7B-5AF847767961}"/>
+                </a:ext>
+              </a:extLst>
+            </p:cNvPr>
+            <p:cNvPicPr>
+              <a:picLocks noChangeAspect="1"/>
+            </p:cNvPicPr>
+            <p:nvPr/>
+          </p:nvPicPr>
+          <p:blipFill>
+            <a:blip r:embed="rId28">
+              <a:extLst>
+                <a:ext uri="{96DAC541-7B7A-43D3-8B79-37D633B846F1}">
+                  <asvg:svgBlip xmlns:asvg="http://schemas.microsoft.com/office/drawing/2016/SVG/main" r:embed="rId29"/>
+                </a:ext>
+              </a:extLst>
+            </a:blip>
+            <a:srcRect/>
+            <a:stretch/>
+          </p:blipFill>
+          <p:spPr>
+            <a:xfrm>
+              <a:off x="8705600" y="3282561"/>
+              <a:ext cx="2594310" cy="2594310"/>
+            </a:xfrm>
+            <a:prstGeom prst="rect">
+              <a:avLst/>
+            </a:prstGeom>
+          </p:spPr>
+        </p:pic>
+        <p:sp>
+          <p:nvSpPr>
+            <p:cNvPr id="194" name="TextBox 193">
+              <a:extLst>
+                <a:ext uri="{FF2B5EF4-FFF2-40B4-BE49-F238E27FC236}">
+                  <a16:creationId xmlns:a16="http://schemas.microsoft.com/office/drawing/2014/main" id="{A1422435-EC8C-9897-0BA5-B42B70540866}"/>
+                </a:ext>
+              </a:extLst>
+            </p:cNvPr>
+            <p:cNvSpPr txBox="1"/>
+            <p:nvPr/>
+          </p:nvSpPr>
+          <p:spPr>
+            <a:xfrm rot="16005931">
+              <a:off x="8690733" y="3267628"/>
+              <a:ext cx="2884195" cy="2555901"/>
+            </a:xfrm>
+            <a:prstGeom prst="rect">
+              <a:avLst/>
+            </a:prstGeom>
+            <a:noFill/>
+          </p:spPr>
+          <p:txBody>
+            <a:bodyPr wrap="square" rtlCol="0">
+              <a:prstTxWarp prst="textArchDown">
+                <a:avLst>
+                  <a:gd name="adj" fmla="val 676808"/>
+                </a:avLst>
+              </a:prstTxWarp>
+              <a:spAutoFit/>
+            </a:bodyPr>
+            <a:lstStyle/>
+            <a:p>
+              <a:r>
+                <a:rPr lang="en-US" sz="1600" b="1" dirty="0">
+                  <a:latin typeface="Baskerville" panose="02020502070401020303" pitchFamily="18" charset="0"/>
+                  <a:ea typeface="Baskerville" panose="02020502070401020303" pitchFamily="18" charset="0"/>
+                </a:rPr>
+                <a:t>Decoding</a:t>
+              </a:r>
+            </a:p>
+          </p:txBody>
+        </p:sp>
+      </p:grpSp>
     </p:spTree>
     <p:extLst>
       <p:ext uri="{BB962C8B-B14F-4D97-AF65-F5344CB8AC3E}">
